--- a/Dialogflow_Presentation.pptx
+++ b/Dialogflow_Presentation.pptx
@@ -5,16 +5,16 @@
     <p:sldMasterId id="2147483648" r:id="rId1"/>
   </p:sldMasterIdLst>
   <p:sldIdLst>
-    <p:sldId id="256" r:id="rId7"/>
-    <p:sldId id="257" r:id="rId8"/>
-    <p:sldId id="258" r:id="rId9"/>
-    <p:sldId id="259" r:id="rId10"/>
-    <p:sldId id="260" r:id="rId11"/>
-    <p:sldId id="261" r:id="rId12"/>
-    <p:sldId id="262" r:id="rId13"/>
-    <p:sldId id="263" r:id="rId14"/>
-    <p:sldId id="264" r:id="rId15"/>
-    <p:sldId id="265" r:id="rId16"/>
+    <p:sldId id="256" r:id="rId2"/>
+    <p:sldId id="257" r:id="rId3"/>
+    <p:sldId id="258" r:id="rId4"/>
+    <p:sldId id="259" r:id="rId5"/>
+    <p:sldId id="260" r:id="rId6"/>
+    <p:sldId id="261" r:id="rId7"/>
+    <p:sldId id="262" r:id="rId8"/>
+    <p:sldId id="263" r:id="rId9"/>
+    <p:sldId id="264" r:id="rId10"/>
+    <p:sldId id="265" r:id="rId11"/>
   </p:sldIdLst>
   <p:sldSz cx="9144000" cy="6858000" type="screen4x3"/>
   <p:notesSz cx="6858000" cy="9144000"/>
@@ -113,6 +113,22 @@
       </a:defRPr>
     </a:lvl9pPr>
   </p:defaultTextStyle>
+  <p:extLst>
+    <p:ext uri="{EFAFB233-063F-42B5-8137-9DF3F51BA10A}">
+      <p15:sldGuideLst xmlns:p15="http://schemas.microsoft.com/office/powerpoint/2012/main">
+        <p15:guide id="1" orient="horz" pos="2160">
+          <p15:clr>
+            <a:srgbClr val="A4A3A4"/>
+          </p15:clr>
+        </p15:guide>
+        <p15:guide id="2" pos="2880">
+          <p15:clr>
+            <a:srgbClr val="A4A3A4"/>
+          </p15:clr>
+        </p15:guide>
+      </p15:sldGuideLst>
+    </p:ext>
+  </p:extLst>
 </p:presentation>
 </file>
 
@@ -154,10 +170,9 @@
           <a:lstStyle/>
           <a:p>
             <a:r>
-              <a:rPr lang="en-US" smtClean="0"/>
+              <a:rPr lang="en-US"/>
               <a:t>Click to edit Master title style</a:t>
             </a:r>
-            <a:endParaRPr lang="en-US"/>
           </a:p>
         </p:txBody>
       </p:sp>
@@ -273,10 +288,9 @@
           </a:lstStyle>
           <a:p>
             <a:r>
-              <a:rPr lang="en-US" smtClean="0"/>
+              <a:rPr lang="en-US"/>
               <a:t>Click to edit Master subtitle style</a:t>
             </a:r>
-            <a:endParaRPr lang="en-US"/>
           </a:p>
         </p:txBody>
       </p:sp>
@@ -297,7 +311,7 @@
           <a:p>
             <a:fld id="{5BCAD085-E8A6-8845-BD4E-CB4CCA059FC4}" type="datetimeFigureOut">
               <a:rPr lang="en-US" smtClean="0"/>
-              <a:t>1/27/13</a:t>
+              <a:t>6/5/2025</a:t>
             </a:fld>
             <a:endParaRPr lang="en-US"/>
           </a:p>
@@ -339,7 +353,7 @@
           <a:p>
             <a:fld id="{C1FF6DA9-008F-8B48-92A6-B652298478BF}" type="slidenum">
               <a:rPr lang="en-US" smtClean="0"/>
-              <a:t>‹#›</a:t>
+              <a:t>‹N°›</a:t>
             </a:fld>
             <a:endParaRPr lang="en-US"/>
           </a:p>
@@ -391,10 +405,9 @@
           <a:lstStyle/>
           <a:p>
             <a:r>
-              <a:rPr lang="en-US" smtClean="0"/>
+              <a:rPr lang="en-US"/>
               <a:t>Click to edit Master title style</a:t>
             </a:r>
-            <a:endParaRPr lang="en-US"/>
           </a:p>
         </p:txBody>
       </p:sp>
@@ -415,38 +428,37 @@
           <a:p>
             <a:pPr lvl="0"/>
             <a:r>
-              <a:rPr lang="en-US" smtClean="0"/>
+              <a:rPr lang="en-US"/>
               <a:t>Click to edit Master text styles</a:t>
             </a:r>
           </a:p>
           <a:p>
             <a:pPr lvl="1"/>
             <a:r>
-              <a:rPr lang="en-US" smtClean="0"/>
+              <a:rPr lang="en-US"/>
               <a:t>Second level</a:t>
             </a:r>
           </a:p>
           <a:p>
             <a:pPr lvl="2"/>
             <a:r>
-              <a:rPr lang="en-US" smtClean="0"/>
+              <a:rPr lang="en-US"/>
               <a:t>Third level</a:t>
             </a:r>
           </a:p>
           <a:p>
             <a:pPr lvl="3"/>
             <a:r>
-              <a:rPr lang="en-US" smtClean="0"/>
+              <a:rPr lang="en-US"/>
               <a:t>Fourth level</a:t>
             </a:r>
           </a:p>
           <a:p>
             <a:pPr lvl="4"/>
             <a:r>
-              <a:rPr lang="en-US" smtClean="0"/>
+              <a:rPr lang="en-US"/>
               <a:t>Fifth level</a:t>
             </a:r>
-            <a:endParaRPr lang="en-US"/>
           </a:p>
         </p:txBody>
       </p:sp>
@@ -467,7 +479,7 @@
           <a:p>
             <a:fld id="{5BCAD085-E8A6-8845-BD4E-CB4CCA059FC4}" type="datetimeFigureOut">
               <a:rPr lang="en-US" smtClean="0"/>
-              <a:t>1/27/13</a:t>
+              <a:t>6/5/2025</a:t>
             </a:fld>
             <a:endParaRPr lang="en-US"/>
           </a:p>
@@ -509,7 +521,7 @@
           <a:p>
             <a:fld id="{C1FF6DA9-008F-8B48-92A6-B652298478BF}" type="slidenum">
               <a:rPr lang="en-US" smtClean="0"/>
-              <a:t>‹#›</a:t>
+              <a:t>‹N°›</a:t>
             </a:fld>
             <a:endParaRPr lang="en-US"/>
           </a:p>
@@ -566,10 +578,9 @@
           <a:lstStyle/>
           <a:p>
             <a:r>
-              <a:rPr lang="en-US" smtClean="0"/>
+              <a:rPr lang="en-US"/>
               <a:t>Click to edit Master title style</a:t>
             </a:r>
-            <a:endParaRPr lang="en-US"/>
           </a:p>
         </p:txBody>
       </p:sp>
@@ -595,38 +606,37 @@
           <a:p>
             <a:pPr lvl="0"/>
             <a:r>
-              <a:rPr lang="en-US" smtClean="0"/>
+              <a:rPr lang="en-US"/>
               <a:t>Click to edit Master text styles</a:t>
             </a:r>
           </a:p>
           <a:p>
             <a:pPr lvl="1"/>
             <a:r>
-              <a:rPr lang="en-US" smtClean="0"/>
+              <a:rPr lang="en-US"/>
               <a:t>Second level</a:t>
             </a:r>
           </a:p>
           <a:p>
             <a:pPr lvl="2"/>
             <a:r>
-              <a:rPr lang="en-US" smtClean="0"/>
+              <a:rPr lang="en-US"/>
               <a:t>Third level</a:t>
             </a:r>
           </a:p>
           <a:p>
             <a:pPr lvl="3"/>
             <a:r>
-              <a:rPr lang="en-US" smtClean="0"/>
+              <a:rPr lang="en-US"/>
               <a:t>Fourth level</a:t>
             </a:r>
           </a:p>
           <a:p>
             <a:pPr lvl="4"/>
             <a:r>
-              <a:rPr lang="en-US" smtClean="0"/>
+              <a:rPr lang="en-US"/>
               <a:t>Fifth level</a:t>
             </a:r>
-            <a:endParaRPr lang="en-US"/>
           </a:p>
         </p:txBody>
       </p:sp>
@@ -647,7 +657,7 @@
           <a:p>
             <a:fld id="{5BCAD085-E8A6-8845-BD4E-CB4CCA059FC4}" type="datetimeFigureOut">
               <a:rPr lang="en-US" smtClean="0"/>
-              <a:t>1/27/13</a:t>
+              <a:t>6/5/2025</a:t>
             </a:fld>
             <a:endParaRPr lang="en-US"/>
           </a:p>
@@ -689,7 +699,7 @@
           <a:p>
             <a:fld id="{C1FF6DA9-008F-8B48-92A6-B652298478BF}" type="slidenum">
               <a:rPr lang="en-US" smtClean="0"/>
-              <a:t>‹#›</a:t>
+              <a:t>‹N°›</a:t>
             </a:fld>
             <a:endParaRPr lang="en-US"/>
           </a:p>
@@ -741,10 +751,9 @@
           <a:lstStyle/>
           <a:p>
             <a:r>
-              <a:rPr lang="en-US" smtClean="0"/>
+              <a:rPr lang="en-US"/>
               <a:t>Click to edit Master title style</a:t>
             </a:r>
-            <a:endParaRPr lang="en-US"/>
           </a:p>
         </p:txBody>
       </p:sp>
@@ -765,38 +774,37 @@
           <a:p>
             <a:pPr lvl="0"/>
             <a:r>
-              <a:rPr lang="en-US" smtClean="0"/>
+              <a:rPr lang="en-US"/>
               <a:t>Click to edit Master text styles</a:t>
             </a:r>
           </a:p>
           <a:p>
             <a:pPr lvl="1"/>
             <a:r>
-              <a:rPr lang="en-US" smtClean="0"/>
+              <a:rPr lang="en-US"/>
               <a:t>Second level</a:t>
             </a:r>
           </a:p>
           <a:p>
             <a:pPr lvl="2"/>
             <a:r>
-              <a:rPr lang="en-US" smtClean="0"/>
+              <a:rPr lang="en-US"/>
               <a:t>Third level</a:t>
             </a:r>
           </a:p>
           <a:p>
             <a:pPr lvl="3"/>
             <a:r>
-              <a:rPr lang="en-US" smtClean="0"/>
+              <a:rPr lang="en-US"/>
               <a:t>Fourth level</a:t>
             </a:r>
           </a:p>
           <a:p>
             <a:pPr lvl="4"/>
             <a:r>
-              <a:rPr lang="en-US" smtClean="0"/>
+              <a:rPr lang="en-US"/>
               <a:t>Fifth level</a:t>
             </a:r>
-            <a:endParaRPr lang="en-US"/>
           </a:p>
         </p:txBody>
       </p:sp>
@@ -817,7 +825,7 @@
           <a:p>
             <a:fld id="{5BCAD085-E8A6-8845-BD4E-CB4CCA059FC4}" type="datetimeFigureOut">
               <a:rPr lang="en-US" smtClean="0"/>
-              <a:t>1/27/13</a:t>
+              <a:t>6/5/2025</a:t>
             </a:fld>
             <a:endParaRPr lang="en-US"/>
           </a:p>
@@ -859,7 +867,7 @@
           <a:p>
             <a:fld id="{C1FF6DA9-008F-8B48-92A6-B652298478BF}" type="slidenum">
               <a:rPr lang="en-US" smtClean="0"/>
-              <a:t>‹#›</a:t>
+              <a:t>‹N°›</a:t>
             </a:fld>
             <a:endParaRPr lang="en-US"/>
           </a:p>
@@ -920,10 +928,9 @@
           </a:lstStyle>
           <a:p>
             <a:r>
-              <a:rPr lang="en-US" smtClean="0"/>
+              <a:rPr lang="en-US"/>
               <a:t>Click to edit Master title style</a:t>
             </a:r>
-            <a:endParaRPr lang="en-US"/>
           </a:p>
         </p:txBody>
       </p:sp>
@@ -1040,7 +1047,7 @@
           <a:p>
             <a:pPr lvl="0"/>
             <a:r>
-              <a:rPr lang="en-US" smtClean="0"/>
+              <a:rPr lang="en-US"/>
               <a:t>Click to edit Master text styles</a:t>
             </a:r>
           </a:p>
@@ -1063,7 +1070,7 @@
           <a:p>
             <a:fld id="{5BCAD085-E8A6-8845-BD4E-CB4CCA059FC4}" type="datetimeFigureOut">
               <a:rPr lang="en-US" smtClean="0"/>
-              <a:t>1/27/13</a:t>
+              <a:t>6/5/2025</a:t>
             </a:fld>
             <a:endParaRPr lang="en-US"/>
           </a:p>
@@ -1105,7 +1112,7 @@
           <a:p>
             <a:fld id="{C1FF6DA9-008F-8B48-92A6-B652298478BF}" type="slidenum">
               <a:rPr lang="en-US" smtClean="0"/>
-              <a:t>‹#›</a:t>
+              <a:t>‹N°›</a:t>
             </a:fld>
             <a:endParaRPr lang="en-US"/>
           </a:p>
@@ -1157,10 +1164,9 @@
           <a:lstStyle/>
           <a:p>
             <a:r>
-              <a:rPr lang="en-US" smtClean="0"/>
+              <a:rPr lang="en-US"/>
               <a:t>Click to edit Master title style</a:t>
             </a:r>
-            <a:endParaRPr lang="en-US"/>
           </a:p>
         </p:txBody>
       </p:sp>
@@ -1214,38 +1220,37 @@
           <a:p>
             <a:pPr lvl="0"/>
             <a:r>
-              <a:rPr lang="en-US" smtClean="0"/>
+              <a:rPr lang="en-US"/>
               <a:t>Click to edit Master text styles</a:t>
             </a:r>
           </a:p>
           <a:p>
             <a:pPr lvl="1"/>
             <a:r>
-              <a:rPr lang="en-US" smtClean="0"/>
+              <a:rPr lang="en-US"/>
               <a:t>Second level</a:t>
             </a:r>
           </a:p>
           <a:p>
             <a:pPr lvl="2"/>
             <a:r>
-              <a:rPr lang="en-US" smtClean="0"/>
+              <a:rPr lang="en-US"/>
               <a:t>Third level</a:t>
             </a:r>
           </a:p>
           <a:p>
             <a:pPr lvl="3"/>
             <a:r>
-              <a:rPr lang="en-US" smtClean="0"/>
+              <a:rPr lang="en-US"/>
               <a:t>Fourth level</a:t>
             </a:r>
           </a:p>
           <a:p>
             <a:pPr lvl="4"/>
             <a:r>
-              <a:rPr lang="en-US" smtClean="0"/>
+              <a:rPr lang="en-US"/>
               <a:t>Fifth level</a:t>
             </a:r>
-            <a:endParaRPr lang="en-US"/>
           </a:p>
         </p:txBody>
       </p:sp>
@@ -1299,38 +1304,37 @@
           <a:p>
             <a:pPr lvl="0"/>
             <a:r>
-              <a:rPr lang="en-US" smtClean="0"/>
+              <a:rPr lang="en-US"/>
               <a:t>Click to edit Master text styles</a:t>
             </a:r>
           </a:p>
           <a:p>
             <a:pPr lvl="1"/>
             <a:r>
-              <a:rPr lang="en-US" smtClean="0"/>
+              <a:rPr lang="en-US"/>
               <a:t>Second level</a:t>
             </a:r>
           </a:p>
           <a:p>
             <a:pPr lvl="2"/>
             <a:r>
-              <a:rPr lang="en-US" smtClean="0"/>
+              <a:rPr lang="en-US"/>
               <a:t>Third level</a:t>
             </a:r>
           </a:p>
           <a:p>
             <a:pPr lvl="3"/>
             <a:r>
-              <a:rPr lang="en-US" smtClean="0"/>
+              <a:rPr lang="en-US"/>
               <a:t>Fourth level</a:t>
             </a:r>
           </a:p>
           <a:p>
             <a:pPr lvl="4"/>
             <a:r>
-              <a:rPr lang="en-US" smtClean="0"/>
+              <a:rPr lang="en-US"/>
               <a:t>Fifth level</a:t>
             </a:r>
-            <a:endParaRPr lang="en-US"/>
           </a:p>
         </p:txBody>
       </p:sp>
@@ -1351,7 +1355,7 @@
           <a:p>
             <a:fld id="{5BCAD085-E8A6-8845-BD4E-CB4CCA059FC4}" type="datetimeFigureOut">
               <a:rPr lang="en-US" smtClean="0"/>
-              <a:t>1/27/13</a:t>
+              <a:t>6/5/2025</a:t>
             </a:fld>
             <a:endParaRPr lang="en-US"/>
           </a:p>
@@ -1393,7 +1397,7 @@
           <a:p>
             <a:fld id="{C1FF6DA9-008F-8B48-92A6-B652298478BF}" type="slidenum">
               <a:rPr lang="en-US" smtClean="0"/>
-              <a:t>‹#›</a:t>
+              <a:t>‹N°›</a:t>
             </a:fld>
             <a:endParaRPr lang="en-US"/>
           </a:p>
@@ -1449,10 +1453,9 @@
           </a:lstStyle>
           <a:p>
             <a:r>
-              <a:rPr lang="en-US" smtClean="0"/>
+              <a:rPr lang="en-US"/>
               <a:t>Click to edit Master title style</a:t>
             </a:r>
-            <a:endParaRPr lang="en-US"/>
           </a:p>
         </p:txBody>
       </p:sp>
@@ -1515,7 +1518,7 @@
           <a:p>
             <a:pPr lvl="0"/>
             <a:r>
-              <a:rPr lang="en-US" smtClean="0"/>
+              <a:rPr lang="en-US"/>
               <a:t>Click to edit Master text styles</a:t>
             </a:r>
           </a:p>
@@ -1571,38 +1574,37 @@
           <a:p>
             <a:pPr lvl="0"/>
             <a:r>
-              <a:rPr lang="en-US" smtClean="0"/>
+              <a:rPr lang="en-US"/>
               <a:t>Click to edit Master text styles</a:t>
             </a:r>
           </a:p>
           <a:p>
             <a:pPr lvl="1"/>
             <a:r>
-              <a:rPr lang="en-US" smtClean="0"/>
+              <a:rPr lang="en-US"/>
               <a:t>Second level</a:t>
             </a:r>
           </a:p>
           <a:p>
             <a:pPr lvl="2"/>
             <a:r>
-              <a:rPr lang="en-US" smtClean="0"/>
+              <a:rPr lang="en-US"/>
               <a:t>Third level</a:t>
             </a:r>
           </a:p>
           <a:p>
             <a:pPr lvl="3"/>
             <a:r>
-              <a:rPr lang="en-US" smtClean="0"/>
+              <a:rPr lang="en-US"/>
               <a:t>Fourth level</a:t>
             </a:r>
           </a:p>
           <a:p>
             <a:pPr lvl="4"/>
             <a:r>
-              <a:rPr lang="en-US" smtClean="0"/>
+              <a:rPr lang="en-US"/>
               <a:t>Fifth level</a:t>
             </a:r>
-            <a:endParaRPr lang="en-US"/>
           </a:p>
         </p:txBody>
       </p:sp>
@@ -1665,7 +1667,7 @@
           <a:p>
             <a:pPr lvl="0"/>
             <a:r>
-              <a:rPr lang="en-US" smtClean="0"/>
+              <a:rPr lang="en-US"/>
               <a:t>Click to edit Master text styles</a:t>
             </a:r>
           </a:p>
@@ -1721,38 +1723,37 @@
           <a:p>
             <a:pPr lvl="0"/>
             <a:r>
-              <a:rPr lang="en-US" smtClean="0"/>
+              <a:rPr lang="en-US"/>
               <a:t>Click to edit Master text styles</a:t>
             </a:r>
           </a:p>
           <a:p>
             <a:pPr lvl="1"/>
             <a:r>
-              <a:rPr lang="en-US" smtClean="0"/>
+              <a:rPr lang="en-US"/>
               <a:t>Second level</a:t>
             </a:r>
           </a:p>
           <a:p>
             <a:pPr lvl="2"/>
             <a:r>
-              <a:rPr lang="en-US" smtClean="0"/>
+              <a:rPr lang="en-US"/>
               <a:t>Third level</a:t>
             </a:r>
           </a:p>
           <a:p>
             <a:pPr lvl="3"/>
             <a:r>
-              <a:rPr lang="en-US" smtClean="0"/>
+              <a:rPr lang="en-US"/>
               <a:t>Fourth level</a:t>
             </a:r>
           </a:p>
           <a:p>
             <a:pPr lvl="4"/>
             <a:r>
-              <a:rPr lang="en-US" smtClean="0"/>
+              <a:rPr lang="en-US"/>
               <a:t>Fifth level</a:t>
             </a:r>
-            <a:endParaRPr lang="en-US"/>
           </a:p>
         </p:txBody>
       </p:sp>
@@ -1773,7 +1774,7 @@
           <a:p>
             <a:fld id="{5BCAD085-E8A6-8845-BD4E-CB4CCA059FC4}" type="datetimeFigureOut">
               <a:rPr lang="en-US" smtClean="0"/>
-              <a:t>1/27/13</a:t>
+              <a:t>6/5/2025</a:t>
             </a:fld>
             <a:endParaRPr lang="en-US"/>
           </a:p>
@@ -1815,7 +1816,7 @@
           <a:p>
             <a:fld id="{C1FF6DA9-008F-8B48-92A6-B652298478BF}" type="slidenum">
               <a:rPr lang="en-US" smtClean="0"/>
-              <a:t>‹#›</a:t>
+              <a:t>‹N°›</a:t>
             </a:fld>
             <a:endParaRPr lang="en-US"/>
           </a:p>
@@ -1867,10 +1868,9 @@
           <a:lstStyle/>
           <a:p>
             <a:r>
-              <a:rPr lang="en-US" smtClean="0"/>
+              <a:rPr lang="en-US"/>
               <a:t>Click to edit Master title style</a:t>
             </a:r>
-            <a:endParaRPr lang="en-US"/>
           </a:p>
         </p:txBody>
       </p:sp>
@@ -1891,7 +1891,7 @@
           <a:p>
             <a:fld id="{5BCAD085-E8A6-8845-BD4E-CB4CCA059FC4}" type="datetimeFigureOut">
               <a:rPr lang="en-US" smtClean="0"/>
-              <a:t>1/27/13</a:t>
+              <a:t>6/5/2025</a:t>
             </a:fld>
             <a:endParaRPr lang="en-US"/>
           </a:p>
@@ -1933,7 +1933,7 @@
           <a:p>
             <a:fld id="{C1FF6DA9-008F-8B48-92A6-B652298478BF}" type="slidenum">
               <a:rPr lang="en-US" smtClean="0"/>
-              <a:t>‹#›</a:t>
+              <a:t>‹N°›</a:t>
             </a:fld>
             <a:endParaRPr lang="en-US"/>
           </a:p>
@@ -1986,7 +1986,7 @@
           <a:p>
             <a:fld id="{5BCAD085-E8A6-8845-BD4E-CB4CCA059FC4}" type="datetimeFigureOut">
               <a:rPr lang="en-US" smtClean="0"/>
-              <a:t>1/27/13</a:t>
+              <a:t>6/5/2025</a:t>
             </a:fld>
             <a:endParaRPr lang="en-US"/>
           </a:p>
@@ -2028,7 +2028,7 @@
           <a:p>
             <a:fld id="{C1FF6DA9-008F-8B48-92A6-B652298478BF}" type="slidenum">
               <a:rPr lang="en-US" smtClean="0"/>
-              <a:t>‹#›</a:t>
+              <a:t>‹N°›</a:t>
             </a:fld>
             <a:endParaRPr lang="en-US"/>
           </a:p>
@@ -2089,10 +2089,9 @@
           </a:lstStyle>
           <a:p>
             <a:r>
-              <a:rPr lang="en-US" smtClean="0"/>
+              <a:rPr lang="en-US"/>
               <a:t>Click to edit Master title style</a:t>
             </a:r>
-            <a:endParaRPr lang="en-US"/>
           </a:p>
         </p:txBody>
       </p:sp>
@@ -2146,38 +2145,37 @@
           <a:p>
             <a:pPr lvl="0"/>
             <a:r>
-              <a:rPr lang="en-US" smtClean="0"/>
+              <a:rPr lang="en-US"/>
               <a:t>Click to edit Master text styles</a:t>
             </a:r>
           </a:p>
           <a:p>
             <a:pPr lvl="1"/>
             <a:r>
-              <a:rPr lang="en-US" smtClean="0"/>
+              <a:rPr lang="en-US"/>
               <a:t>Second level</a:t>
             </a:r>
           </a:p>
           <a:p>
             <a:pPr lvl="2"/>
             <a:r>
-              <a:rPr lang="en-US" smtClean="0"/>
+              <a:rPr lang="en-US"/>
               <a:t>Third level</a:t>
             </a:r>
           </a:p>
           <a:p>
             <a:pPr lvl="3"/>
             <a:r>
-              <a:rPr lang="en-US" smtClean="0"/>
+              <a:rPr lang="en-US"/>
               <a:t>Fourth level</a:t>
             </a:r>
           </a:p>
           <a:p>
             <a:pPr lvl="4"/>
             <a:r>
-              <a:rPr lang="en-US" smtClean="0"/>
+              <a:rPr lang="en-US"/>
               <a:t>Fifth level</a:t>
             </a:r>
-            <a:endParaRPr lang="en-US"/>
           </a:p>
         </p:txBody>
       </p:sp>
@@ -2240,7 +2238,7 @@
           <a:p>
             <a:pPr lvl="0"/>
             <a:r>
-              <a:rPr lang="en-US" smtClean="0"/>
+              <a:rPr lang="en-US"/>
               <a:t>Click to edit Master text styles</a:t>
             </a:r>
           </a:p>
@@ -2263,7 +2261,7 @@
           <a:p>
             <a:fld id="{5BCAD085-E8A6-8845-BD4E-CB4CCA059FC4}" type="datetimeFigureOut">
               <a:rPr lang="en-US" smtClean="0"/>
-              <a:t>1/27/13</a:t>
+              <a:t>6/5/2025</a:t>
             </a:fld>
             <a:endParaRPr lang="en-US"/>
           </a:p>
@@ -2305,7 +2303,7 @@
           <a:p>
             <a:fld id="{C1FF6DA9-008F-8B48-92A6-B652298478BF}" type="slidenum">
               <a:rPr lang="en-US" smtClean="0"/>
-              <a:t>‹#›</a:t>
+              <a:t>‹N°›</a:t>
             </a:fld>
             <a:endParaRPr lang="en-US"/>
           </a:p>
@@ -2366,10 +2364,9 @@
           </a:lstStyle>
           <a:p>
             <a:r>
-              <a:rPr lang="en-US" smtClean="0"/>
+              <a:rPr lang="en-US"/>
               <a:t>Click to edit Master title style</a:t>
             </a:r>
-            <a:endParaRPr lang="en-US"/>
           </a:p>
         </p:txBody>
       </p:sp>
@@ -2493,7 +2490,7 @@
           <a:p>
             <a:pPr lvl="0"/>
             <a:r>
-              <a:rPr lang="en-US" smtClean="0"/>
+              <a:rPr lang="en-US"/>
               <a:t>Click to edit Master text styles</a:t>
             </a:r>
           </a:p>
@@ -2516,7 +2513,7 @@
           <a:p>
             <a:fld id="{5BCAD085-E8A6-8845-BD4E-CB4CCA059FC4}" type="datetimeFigureOut">
               <a:rPr lang="en-US" smtClean="0"/>
-              <a:t>1/27/13</a:t>
+              <a:t>6/5/2025</a:t>
             </a:fld>
             <a:endParaRPr lang="en-US"/>
           </a:p>
@@ -2558,7 +2555,7 @@
           <a:p>
             <a:fld id="{C1FF6DA9-008F-8B48-92A6-B652298478BF}" type="slidenum">
               <a:rPr lang="en-US" smtClean="0"/>
-              <a:t>‹#›</a:t>
+              <a:t>‹N°›</a:t>
             </a:fld>
             <a:endParaRPr lang="en-US"/>
           </a:p>
@@ -2625,10 +2622,9 @@
           <a:lstStyle/>
           <a:p>
             <a:r>
-              <a:rPr lang="en-US" smtClean="0"/>
+              <a:rPr lang="en-US"/>
               <a:t>Click to edit Master title style</a:t>
             </a:r>
-            <a:endParaRPr lang="en-US"/>
           </a:p>
         </p:txBody>
       </p:sp>
@@ -2659,38 +2655,37 @@
           <a:p>
             <a:pPr lvl="0"/>
             <a:r>
-              <a:rPr lang="en-US" smtClean="0"/>
+              <a:rPr lang="en-US"/>
               <a:t>Click to edit Master text styles</a:t>
             </a:r>
           </a:p>
           <a:p>
             <a:pPr lvl="1"/>
             <a:r>
-              <a:rPr lang="en-US" smtClean="0"/>
+              <a:rPr lang="en-US"/>
               <a:t>Second level</a:t>
             </a:r>
           </a:p>
           <a:p>
             <a:pPr lvl="2"/>
             <a:r>
-              <a:rPr lang="en-US" smtClean="0"/>
+              <a:rPr lang="en-US"/>
               <a:t>Third level</a:t>
             </a:r>
           </a:p>
           <a:p>
             <a:pPr lvl="3"/>
             <a:r>
-              <a:rPr lang="en-US" smtClean="0"/>
+              <a:rPr lang="en-US"/>
               <a:t>Fourth level</a:t>
             </a:r>
           </a:p>
           <a:p>
             <a:pPr lvl="4"/>
             <a:r>
-              <a:rPr lang="en-US" smtClean="0"/>
+              <a:rPr lang="en-US"/>
               <a:t>Fifth level</a:t>
             </a:r>
-            <a:endParaRPr lang="en-US"/>
           </a:p>
         </p:txBody>
       </p:sp>
@@ -2729,7 +2724,7 @@
           <a:p>
             <a:fld id="{5BCAD085-E8A6-8845-BD4E-CB4CCA059FC4}" type="datetimeFigureOut">
               <a:rPr lang="en-US" smtClean="0"/>
-              <a:t>1/27/13</a:t>
+              <a:t>6/5/2025</a:t>
             </a:fld>
             <a:endParaRPr lang="en-US"/>
           </a:p>
@@ -2807,7 +2802,7 @@
           <a:p>
             <a:fld id="{C1FF6DA9-008F-8B48-92A6-B652298478BF}" type="slidenum">
               <a:rPr lang="en-US" smtClean="0"/>
-              <a:t>‹#›</a:t>
+              <a:t>‹N°›</a:t>
             </a:fld>
             <a:endParaRPr lang="en-US"/>
           </a:p>
@@ -3088,15 +3083,30 @@
 </file>
 
 <file path=ppt/slides/slide1.xml><?xml version="1.0" encoding="utf-8"?>
-<p:sld xmlns:a="http://schemas.openxmlformats.org/drawingml/2006/main" xmlns:p="http://schemas.openxmlformats.org/presentationml/2006/main" xmlns:r="http://schemas.openxmlformats.org/officeDocument/2006/relationships">
+<p:sld xmlns:a="http://schemas.openxmlformats.org/drawingml/2006/main" xmlns:r="http://schemas.openxmlformats.org/officeDocument/2006/relationships" xmlns:p="http://schemas.openxmlformats.org/presentationml/2006/main">
   <p:cSld>
+    <p:bg>
+      <p:bgPr>
+        <a:solidFill>
+          <a:srgbClr val="87CEEA"/>
+        </a:solidFill>
+        <a:effectLst/>
+      </p:bgPr>
+    </p:bg>
     <p:spTree>
       <p:nvGrpSpPr>
         <p:cNvPr id="1" name=""/>
         <p:cNvGrpSpPr/>
         <p:nvPr/>
       </p:nvGrpSpPr>
-      <p:grpSpPr/>
+      <p:grpSpPr>
+        <a:xfrm>
+          <a:off x="0" y="0"/>
+          <a:ext cx="0" cy="0"/>
+          <a:chOff x="0" y="0"/>
+          <a:chExt cx="0" cy="0"/>
+        </a:xfrm>
+      </p:grpSpPr>
       <p:sp>
         <p:nvSpPr>
           <p:cNvPr id="2" name="Title 1"/>
@@ -3107,14 +3117,33 @@
             <p:ph type="ctrTitle"/>
           </p:nvPr>
         </p:nvSpPr>
-        <p:spPr/>
-        <p:txBody>
-          <a:bodyPr/>
-          <a:lstStyle/>
-          <a:p>
-            <a:r>
-              <a:t>Utilisation de Google Dialogflow dans une PME</a:t>
-            </a:r>
+        <p:spPr>
+          <a:xfrm>
+            <a:off x="460346" y="490788"/>
+            <a:ext cx="8223308" cy="1470025"/>
+          </a:xfrm>
+        </p:spPr>
+        <p:txBody>
+          <a:bodyPr/>
+          <a:lstStyle/>
+          <a:p>
+            <a:r>
+              <a:rPr dirty="0" err="1"/>
+              <a:t>Utilisation</a:t>
+            </a:r>
+            <a:r>
+              <a:rPr dirty="0"/>
+              <a:t> de Google </a:t>
+            </a:r>
+            <a:r>
+              <a:rPr dirty="0" err="1"/>
+              <a:t>Dialogflow</a:t>
+            </a:r>
+            <a:r>
+              <a:rPr lang="fr-CH" dirty="0"/>
+              <a:t> ES</a:t>
+            </a:r>
+            <a:endParaRPr dirty="0"/>
           </a:p>
         </p:txBody>
       </p:sp>
@@ -3128,13 +3157,81 @@
             <p:ph type="subTitle" idx="1"/>
           </p:nvPr>
         </p:nvSpPr>
-        <p:spPr/>
-        <p:txBody>
-          <a:bodyPr/>
-          <a:lstStyle/>
-          <a:p>
-            <a:r>
-              <a:t>Présentation et démo – Juin 2025</a:t>
+        <p:spPr>
+          <a:xfrm>
+            <a:off x="1371600" y="5704864"/>
+            <a:ext cx="6400800" cy="662348"/>
+          </a:xfrm>
+        </p:spPr>
+        <p:txBody>
+          <a:bodyPr/>
+          <a:lstStyle/>
+          <a:p>
+            <a:r>
+              <a:rPr dirty="0" err="1">
+                <a:solidFill>
+                  <a:schemeClr val="tx1">
+                    <a:lumMod val="75000"/>
+                    <a:lumOff val="25000"/>
+                  </a:schemeClr>
+                </a:solidFill>
+              </a:rPr>
+              <a:t>Présentation</a:t>
+            </a:r>
+            <a:r>
+              <a:rPr dirty="0">
+                <a:solidFill>
+                  <a:schemeClr val="tx1">
+                    <a:lumMod val="75000"/>
+                    <a:lumOff val="25000"/>
+                  </a:schemeClr>
+                </a:solidFill>
+              </a:rPr>
+              <a:t> et </a:t>
+            </a:r>
+            <a:r>
+              <a:rPr dirty="0" err="1">
+                <a:solidFill>
+                  <a:schemeClr val="tx1">
+                    <a:lumMod val="75000"/>
+                    <a:lumOff val="25000"/>
+                  </a:schemeClr>
+                </a:solidFill>
+              </a:rPr>
+              <a:t>démo</a:t>
+            </a:r>
+            <a:r>
+              <a:rPr dirty="0">
+                <a:solidFill>
+                  <a:schemeClr val="tx1">
+                    <a:lumMod val="75000"/>
+                    <a:lumOff val="25000"/>
+                  </a:schemeClr>
+                </a:solidFill>
+              </a:rPr>
+              <a:t> – </a:t>
+            </a:r>
+            <a:r>
+              <a:rPr dirty="0" err="1">
+                <a:solidFill>
+                  <a:schemeClr val="tx1">
+                    <a:lumMod val="75000"/>
+                    <a:lumOff val="25000"/>
+                  </a:schemeClr>
+                </a:solidFill>
+              </a:rPr>
+              <a:t>Juin</a:t>
+            </a:r>
+            <a:r>
+              <a:rPr dirty="0">
+                <a:solidFill>
+                  <a:schemeClr val="tx1">
+                    <a:lumMod val="75000"/>
+                    <a:lumOff val="25000"/>
+                  </a:schemeClr>
+                </a:solidFill>
+              </a:rPr>
+              <a:t> 2025</a:t>
             </a:r>
           </a:p>
         </p:txBody>
@@ -3155,12 +3252,15 @@
         </p:blipFill>
         <p:spPr>
           <a:xfrm>
-            <a:off x="8229600" y="182880"/>
-            <a:ext cx="914400" cy="914400"/>
+            <a:off x="3103813" y="1960813"/>
+            <a:ext cx="2936374" cy="2936374"/>
           </a:xfrm>
           <a:prstGeom prst="rect">
             <a:avLst/>
           </a:prstGeom>
+          <a:effectLst>
+            <a:softEdge rad="127000"/>
+          </a:effectLst>
         </p:spPr>
       </p:pic>
     </p:spTree>
@@ -3172,12 +3272,12 @@
 </file>
 
 <file path=ppt/slides/slide10.xml><?xml version="1.0" encoding="utf-8"?>
-<p:sld xmlns:a="http://schemas.openxmlformats.org/drawingml/2006/main" xmlns:p="http://schemas.openxmlformats.org/presentationml/2006/main" xmlns:r="http://schemas.openxmlformats.org/officeDocument/2006/relationships">
+<p:sld xmlns:a="http://schemas.openxmlformats.org/drawingml/2006/main" xmlns:r="http://schemas.openxmlformats.org/officeDocument/2006/relationships" xmlns:p="http://schemas.openxmlformats.org/presentationml/2006/main">
   <p:cSld>
     <p:bg>
       <p:bgPr>
         <a:solidFill>
-          <a:srgbClr val="FFFFFF"/>
+          <a:srgbClr val="87CEEA"/>
         </a:solidFill>
         <a:effectLst/>
       </p:bgPr>
@@ -3188,7 +3288,14 @@
         <p:cNvGrpSpPr/>
         <p:nvPr/>
       </p:nvGrpSpPr>
-      <p:grpSpPr/>
+      <p:grpSpPr>
+        <a:xfrm>
+          <a:off x="0" y="0"/>
+          <a:ext cx="0" cy="0"/>
+          <a:chOff x="0" y="0"/>
+          <a:chExt cx="0" cy="0"/>
+        </a:xfrm>
+      </p:grpSpPr>
       <p:sp>
         <p:nvSpPr>
           <p:cNvPr id="2" name="Title 1"/>
@@ -3254,6 +3361,183 @@
             <a:r>
               <a:t>- Codelabs, tutoriels, formations</a:t>
             </a:r>
+          </a:p>
+        </p:txBody>
+      </p:sp>
+      <p:pic>
+        <p:nvPicPr>
+          <p:cNvPr id="9" name="Picture 3" descr="logo_nuage.png">
+            <a:extLst>
+              <a:ext uri="{FF2B5EF4-FFF2-40B4-BE49-F238E27FC236}">
+                <a16:creationId xmlns:a16="http://schemas.microsoft.com/office/drawing/2014/main" id="{F60DA6D5-F3DA-5D81-1C5D-D1A82F99188E}"/>
+              </a:ext>
+            </a:extLst>
+          </p:cNvPr>
+          <p:cNvPicPr>
+            <a:picLocks noChangeAspect="1"/>
+          </p:cNvPicPr>
+          <p:nvPr/>
+        </p:nvPicPr>
+        <p:blipFill>
+          <a:blip r:embed="rId2"/>
+          <a:stretch>
+            <a:fillRect/>
+          </a:stretch>
+        </p:blipFill>
+        <p:spPr>
+          <a:xfrm>
+            <a:off x="8036653" y="182880"/>
+            <a:ext cx="914400" cy="914400"/>
+          </a:xfrm>
+          <a:prstGeom prst="rect">
+            <a:avLst/>
+          </a:prstGeom>
+          <a:effectLst>
+            <a:softEdge rad="63500"/>
+          </a:effectLst>
+        </p:spPr>
+      </p:pic>
+    </p:spTree>
+  </p:cSld>
+  <p:clrMapOvr>
+    <a:masterClrMapping/>
+  </p:clrMapOvr>
+</p:sld>
+</file>
+
+<file path=ppt/slides/slide2.xml><?xml version="1.0" encoding="utf-8"?>
+<p:sld xmlns:a="http://schemas.openxmlformats.org/drawingml/2006/main" xmlns:r="http://schemas.openxmlformats.org/officeDocument/2006/relationships" xmlns:p="http://schemas.openxmlformats.org/presentationml/2006/main">
+  <p:cSld>
+    <p:bg>
+      <p:bgPr>
+        <a:solidFill>
+          <a:srgbClr val="87CEEA"/>
+        </a:solidFill>
+        <a:effectLst/>
+      </p:bgPr>
+    </p:bg>
+    <p:spTree>
+      <p:nvGrpSpPr>
+        <p:cNvPr id="1" name=""/>
+        <p:cNvGrpSpPr/>
+        <p:nvPr/>
+      </p:nvGrpSpPr>
+      <p:grpSpPr>
+        <a:xfrm>
+          <a:off x="0" y="0"/>
+          <a:ext cx="0" cy="0"/>
+          <a:chOff x="0" y="0"/>
+          <a:chExt cx="0" cy="0"/>
+        </a:xfrm>
+      </p:grpSpPr>
+      <p:sp>
+        <p:nvSpPr>
+          <p:cNvPr id="2" name="Title 1"/>
+          <p:cNvSpPr>
+            <a:spLocks noGrp="1"/>
+          </p:cNvSpPr>
+          <p:nvPr>
+            <p:ph type="title"/>
+          </p:nvPr>
+        </p:nvSpPr>
+        <p:spPr/>
+        <p:txBody>
+          <a:bodyPr/>
+          <a:lstStyle/>
+          <a:p>
+            <a:pPr>
+              <a:defRPr sz="3200" b="1">
+                <a:solidFill>
+                  <a:srgbClr val="000000"/>
+                </a:solidFill>
+              </a:defRPr>
+            </a:pPr>
+            <a:r>
+              <a:t>Contexte</a:t>
+            </a:r>
+          </a:p>
+        </p:txBody>
+      </p:sp>
+      <p:sp>
+        <p:nvSpPr>
+          <p:cNvPr id="3" name="Content Placeholder 2"/>
+          <p:cNvSpPr>
+            <a:spLocks noGrp="1"/>
+          </p:cNvSpPr>
+          <p:nvPr>
+            <p:ph idx="1"/>
+          </p:nvPr>
+        </p:nvSpPr>
+        <p:spPr/>
+        <p:txBody>
+          <a:bodyPr/>
+          <a:lstStyle/>
+          <a:p>
+            <a:pPr>
+              <a:defRPr sz="2000">
+                <a:solidFill>
+                  <a:srgbClr val="000000"/>
+                </a:solidFill>
+              </a:defRPr>
+            </a:pPr>
+            <a:r>
+              <a:rPr dirty="0"/>
+              <a:t>PME </a:t>
+            </a:r>
+            <a:r>
+              <a:rPr dirty="0" err="1"/>
+              <a:t>souhaitant</a:t>
+            </a:r>
+            <a:r>
+              <a:rPr dirty="0"/>
+              <a:t> </a:t>
+            </a:r>
+            <a:r>
+              <a:rPr dirty="0" err="1"/>
+              <a:t>améliorer</a:t>
+            </a:r>
+            <a:r>
+              <a:rPr dirty="0"/>
+              <a:t> </a:t>
+            </a:r>
+            <a:r>
+              <a:rPr dirty="0" err="1"/>
+              <a:t>l’interaction</a:t>
+            </a:r>
+            <a:r>
+              <a:rPr dirty="0"/>
+              <a:t> client.</a:t>
+            </a:r>
+          </a:p>
+          <a:p>
+            <a:pPr>
+              <a:defRPr sz="2000">
+                <a:solidFill>
+                  <a:srgbClr val="000000"/>
+                </a:solidFill>
+              </a:defRPr>
+            </a:pPr>
+            <a:r>
+              <a:rPr dirty="0"/>
+              <a:t>Explorer le </a:t>
+            </a:r>
+            <a:r>
+              <a:rPr dirty="0" err="1"/>
+              <a:t>potentiel</a:t>
+            </a:r>
+            <a:r>
+              <a:rPr dirty="0"/>
+              <a:t> des chatbots cloud avec Google </a:t>
+            </a:r>
+            <a:r>
+              <a:rPr dirty="0" err="1"/>
+              <a:t>Dialogflow</a:t>
+            </a:r>
+            <a:r>
+              <a:rPr dirty="0"/>
+              <a:t>.</a:t>
+            </a:r>
+            <a:endParaRPr lang="fr-CH" dirty="0"/>
           </a:p>
         </p:txBody>
       </p:sp>
@@ -3273,12 +3557,15 @@
         </p:blipFill>
         <p:spPr>
           <a:xfrm>
-            <a:off x="8229600" y="182880"/>
+            <a:off x="8036653" y="182880"/>
             <a:ext cx="914400" cy="914400"/>
           </a:xfrm>
           <a:prstGeom prst="rect">
             <a:avLst/>
           </a:prstGeom>
+          <a:effectLst>
+            <a:softEdge rad="63500"/>
+          </a:effectLst>
         </p:spPr>
       </p:pic>
     </p:spTree>
@@ -3289,13 +3576,13 @@
 </p:sld>
 </file>
 
-<file path=ppt/slides/slide2.xml><?xml version="1.0" encoding="utf-8"?>
-<p:sld xmlns:a="http://schemas.openxmlformats.org/drawingml/2006/main" xmlns:p="http://schemas.openxmlformats.org/presentationml/2006/main" xmlns:r="http://schemas.openxmlformats.org/officeDocument/2006/relationships">
+<file path=ppt/slides/slide3.xml><?xml version="1.0" encoding="utf-8"?>
+<p:sld xmlns:a="http://schemas.openxmlformats.org/drawingml/2006/main" xmlns:r="http://schemas.openxmlformats.org/officeDocument/2006/relationships" xmlns:p="http://schemas.openxmlformats.org/presentationml/2006/main">
   <p:cSld>
     <p:bg>
       <p:bgPr>
         <a:solidFill>
-          <a:srgbClr val="FFFFFF"/>
+          <a:srgbClr val="87CEEA"/>
         </a:solidFill>
         <a:effectLst/>
       </p:bgPr>
@@ -3306,7 +3593,14 @@
         <p:cNvGrpSpPr/>
         <p:nvPr/>
       </p:nvGrpSpPr>
-      <p:grpSpPr/>
+      <p:grpSpPr>
+        <a:xfrm>
+          <a:off x="0" y="0"/>
+          <a:ext cx="0" cy="0"/>
+          <a:chOff x="0" y="0"/>
+          <a:chExt cx="0" cy="0"/>
+        </a:xfrm>
+      </p:grpSpPr>
       <p:sp>
         <p:nvSpPr>
           <p:cNvPr id="2" name="Title 1"/>
@@ -3330,7 +3624,7 @@
               </a:defRPr>
             </a:pPr>
             <a:r>
-              <a:t>Contexte</a:t>
+              <a:t>Qu’est-ce que Dialogflow ?</a:t>
             </a:r>
           </a:p>
         </p:txBody>
@@ -3358,7 +3652,7 @@
               </a:defRPr>
             </a:pPr>
             <a:r>
-              <a:t>PME souhaitant améliorer l’interaction client.</a:t>
+              <a:t>- Plateforme Google Cloud pour créer des chatbots</a:t>
             </a:r>
           </a:p>
           <a:p>
@@ -3370,14 +3664,32 @@
               </a:defRPr>
             </a:pPr>
             <a:r>
-              <a:t>Explorer le potentiel des chatbots cloud avec Google Dialogflow.</a:t>
+              <a:t>- Basée sur le NLP</a:t>
+            </a:r>
+          </a:p>
+          <a:p>
+            <a:pPr>
+              <a:defRPr sz="2000">
+                <a:solidFill>
+                  <a:srgbClr val="000000"/>
+                </a:solidFill>
+              </a:defRPr>
+            </a:pPr>
+            <a:r>
+              <a:t>- Version ES (standard) et CX (avancée)</a:t>
             </a:r>
           </a:p>
         </p:txBody>
       </p:sp>
       <p:pic>
         <p:nvPicPr>
-          <p:cNvPr id="4" name="Picture 3" descr="logo_nuage.png"/>
+          <p:cNvPr id="7" name="Picture 3" descr="logo_nuage.png">
+            <a:extLst>
+              <a:ext uri="{FF2B5EF4-FFF2-40B4-BE49-F238E27FC236}">
+                <a16:creationId xmlns:a16="http://schemas.microsoft.com/office/drawing/2014/main" id="{F7FE1D08-48EE-8D57-DFD3-2A7492A4927D}"/>
+              </a:ext>
+            </a:extLst>
+          </p:cNvPr>
           <p:cNvPicPr>
             <a:picLocks noChangeAspect="1"/>
           </p:cNvPicPr>
@@ -3391,12 +3703,15 @@
         </p:blipFill>
         <p:spPr>
           <a:xfrm>
-            <a:off x="8229600" y="182880"/>
+            <a:off x="8036653" y="182880"/>
             <a:ext cx="914400" cy="914400"/>
           </a:xfrm>
           <a:prstGeom prst="rect">
             <a:avLst/>
           </a:prstGeom>
+          <a:effectLst>
+            <a:softEdge rad="63500"/>
+          </a:effectLst>
         </p:spPr>
       </p:pic>
     </p:spTree>
@@ -3407,13 +3722,13 @@
 </p:sld>
 </file>
 
-<file path=ppt/slides/slide3.xml><?xml version="1.0" encoding="utf-8"?>
-<p:sld xmlns:a="http://schemas.openxmlformats.org/drawingml/2006/main" xmlns:p="http://schemas.openxmlformats.org/presentationml/2006/main" xmlns:r="http://schemas.openxmlformats.org/officeDocument/2006/relationships">
+<file path=ppt/slides/slide4.xml><?xml version="1.0" encoding="utf-8"?>
+<p:sld xmlns:a="http://schemas.openxmlformats.org/drawingml/2006/main" xmlns:r="http://schemas.openxmlformats.org/officeDocument/2006/relationships" xmlns:p="http://schemas.openxmlformats.org/presentationml/2006/main">
   <p:cSld>
     <p:bg>
       <p:bgPr>
         <a:solidFill>
-          <a:srgbClr val="FFFFFF"/>
+          <a:srgbClr val="87CEEA"/>
         </a:solidFill>
         <a:effectLst/>
       </p:bgPr>
@@ -3424,7 +3739,14 @@
         <p:cNvGrpSpPr/>
         <p:nvPr/>
       </p:nvGrpSpPr>
-      <p:grpSpPr/>
+      <p:grpSpPr>
+        <a:xfrm>
+          <a:off x="0" y="0"/>
+          <a:ext cx="0" cy="0"/>
+          <a:chOff x="0" y="0"/>
+          <a:chExt cx="0" cy="0"/>
+        </a:xfrm>
+      </p:grpSpPr>
       <p:sp>
         <p:nvSpPr>
           <p:cNvPr id="2" name="Title 1"/>
@@ -3448,7 +3770,7 @@
               </a:defRPr>
             </a:pPr>
             <a:r>
-              <a:t>Qu’est-ce que Dialogflow ?</a:t>
+              <a:t>Cas d’usage PME</a:t>
             </a:r>
           </a:p>
         </p:txBody>
@@ -3476,7 +3798,7 @@
               </a:defRPr>
             </a:pPr>
             <a:r>
-              <a:t>- Plateforme Google Cloud pour créer des chatbots</a:t>
+              <a:t>- Service client</a:t>
             </a:r>
           </a:p>
           <a:p>
@@ -3488,7 +3810,7 @@
               </a:defRPr>
             </a:pPr>
             <a:r>
-              <a:t>- Basée sur le NLP</a:t>
+              <a:t>- Réservations</a:t>
             </a:r>
           </a:p>
           <a:p>
@@ -3500,14 +3822,32 @@
               </a:defRPr>
             </a:pPr>
             <a:r>
-              <a:t>- Version ES (standard) et CX (avancée)</a:t>
+              <a:t>- FAQ automatisée</a:t>
+            </a:r>
+          </a:p>
+          <a:p>
+            <a:pPr>
+              <a:defRPr sz="2000">
+                <a:solidFill>
+                  <a:srgbClr val="000000"/>
+                </a:solidFill>
+              </a:defRPr>
+            </a:pPr>
+            <a:r>
+              <a:t>- Assistance RH ou IT</a:t>
             </a:r>
           </a:p>
         </p:txBody>
       </p:sp>
       <p:pic>
         <p:nvPicPr>
-          <p:cNvPr id="4" name="Picture 3" descr="logo_nuage.png"/>
+          <p:cNvPr id="7" name="Picture 3" descr="logo_nuage.png">
+            <a:extLst>
+              <a:ext uri="{FF2B5EF4-FFF2-40B4-BE49-F238E27FC236}">
+                <a16:creationId xmlns:a16="http://schemas.microsoft.com/office/drawing/2014/main" id="{131606DA-7EC9-D63F-577D-D3CE525571F3}"/>
+              </a:ext>
+            </a:extLst>
+          </p:cNvPr>
           <p:cNvPicPr>
             <a:picLocks noChangeAspect="1"/>
           </p:cNvPicPr>
@@ -3521,12 +3861,15 @@
         </p:blipFill>
         <p:spPr>
           <a:xfrm>
-            <a:off x="8229600" y="182880"/>
+            <a:off x="8036653" y="182880"/>
             <a:ext cx="914400" cy="914400"/>
           </a:xfrm>
           <a:prstGeom prst="rect">
             <a:avLst/>
           </a:prstGeom>
+          <a:effectLst>
+            <a:softEdge rad="63500"/>
+          </a:effectLst>
         </p:spPr>
       </p:pic>
     </p:spTree>
@@ -3537,13 +3880,13 @@
 </p:sld>
 </file>
 
-<file path=ppt/slides/slide4.xml><?xml version="1.0" encoding="utf-8"?>
-<p:sld xmlns:a="http://schemas.openxmlformats.org/drawingml/2006/main" xmlns:p="http://schemas.openxmlformats.org/presentationml/2006/main" xmlns:r="http://schemas.openxmlformats.org/officeDocument/2006/relationships">
+<file path=ppt/slides/slide5.xml><?xml version="1.0" encoding="utf-8"?>
+<p:sld xmlns:a="http://schemas.openxmlformats.org/drawingml/2006/main" xmlns:r="http://schemas.openxmlformats.org/officeDocument/2006/relationships" xmlns:p="http://schemas.openxmlformats.org/presentationml/2006/main">
   <p:cSld>
     <p:bg>
       <p:bgPr>
         <a:solidFill>
-          <a:srgbClr val="FFFFFF"/>
+          <a:srgbClr val="87CEEA"/>
         </a:solidFill>
         <a:effectLst/>
       </p:bgPr>
@@ -3554,7 +3897,14 @@
         <p:cNvGrpSpPr/>
         <p:nvPr/>
       </p:nvGrpSpPr>
-      <p:grpSpPr/>
+      <p:grpSpPr>
+        <a:xfrm>
+          <a:off x="0" y="0"/>
+          <a:ext cx="0" cy="0"/>
+          <a:chOff x="0" y="0"/>
+          <a:chExt cx="0" cy="0"/>
+        </a:xfrm>
+      </p:grpSpPr>
       <p:sp>
         <p:nvSpPr>
           <p:cNvPr id="2" name="Title 1"/>
@@ -3578,7 +3928,7 @@
               </a:defRPr>
             </a:pPr>
             <a:r>
-              <a:t>Cas d’usage PME</a:t>
+              <a:t>Démo : Chatbot FAQ</a:t>
             </a:r>
           </a:p>
         </p:txBody>
@@ -3606,7 +3956,7 @@
               </a:defRPr>
             </a:pPr>
             <a:r>
-              <a:t>- Service client</a:t>
+              <a:t>- 3 intents : horaires, disponibilité, contact</a:t>
             </a:r>
           </a:p>
           <a:p>
@@ -3618,7 +3968,7 @@
               </a:defRPr>
             </a:pPr>
             <a:r>
-              <a:t>- Réservations</a:t>
+              <a:t>- Créé dans Dialogflow ES</a:t>
             </a:r>
           </a:p>
           <a:p>
@@ -3630,26 +3980,20 @@
               </a:defRPr>
             </a:pPr>
             <a:r>
-              <a:t>- FAQ automatisée</a:t>
-            </a:r>
-          </a:p>
-          <a:p>
-            <a:pPr>
-              <a:defRPr sz="2000">
-                <a:solidFill>
-                  <a:srgbClr val="000000"/>
-                </a:solidFill>
-              </a:defRPr>
-            </a:pPr>
-            <a:r>
-              <a:t>- Assistance RH ou IT</a:t>
+              <a:t>- Réponses personnalisées simples</a:t>
             </a:r>
           </a:p>
         </p:txBody>
       </p:sp>
       <p:pic>
         <p:nvPicPr>
-          <p:cNvPr id="4" name="Picture 3" descr="logo_nuage.png"/>
+          <p:cNvPr id="7" name="Picture 3" descr="logo_nuage.png">
+            <a:extLst>
+              <a:ext uri="{FF2B5EF4-FFF2-40B4-BE49-F238E27FC236}">
+                <a16:creationId xmlns:a16="http://schemas.microsoft.com/office/drawing/2014/main" id="{10537CFF-06C7-2342-3091-ECEF17C1858F}"/>
+              </a:ext>
+            </a:extLst>
+          </p:cNvPr>
           <p:cNvPicPr>
             <a:picLocks noChangeAspect="1"/>
           </p:cNvPicPr>
@@ -3663,12 +4007,15 @@
         </p:blipFill>
         <p:spPr>
           <a:xfrm>
-            <a:off x="8229600" y="182880"/>
+            <a:off x="8036653" y="182880"/>
             <a:ext cx="914400" cy="914400"/>
           </a:xfrm>
           <a:prstGeom prst="rect">
             <a:avLst/>
           </a:prstGeom>
+          <a:effectLst>
+            <a:softEdge rad="63500"/>
+          </a:effectLst>
         </p:spPr>
       </p:pic>
     </p:spTree>
@@ -3679,13 +4026,13 @@
 </p:sld>
 </file>
 
-<file path=ppt/slides/slide5.xml><?xml version="1.0" encoding="utf-8"?>
-<p:sld xmlns:a="http://schemas.openxmlformats.org/drawingml/2006/main" xmlns:p="http://schemas.openxmlformats.org/presentationml/2006/main" xmlns:r="http://schemas.openxmlformats.org/officeDocument/2006/relationships">
+<file path=ppt/slides/slide6.xml><?xml version="1.0" encoding="utf-8"?>
+<p:sld xmlns:a="http://schemas.openxmlformats.org/drawingml/2006/main" xmlns:r="http://schemas.openxmlformats.org/officeDocument/2006/relationships" xmlns:p="http://schemas.openxmlformats.org/presentationml/2006/main">
   <p:cSld>
     <p:bg>
       <p:bgPr>
         <a:solidFill>
-          <a:srgbClr val="FFFFFF"/>
+          <a:srgbClr val="87CEEA"/>
         </a:solidFill>
         <a:effectLst/>
       </p:bgPr>
@@ -3696,7 +4043,14 @@
         <p:cNvGrpSpPr/>
         <p:nvPr/>
       </p:nvGrpSpPr>
-      <p:grpSpPr/>
+      <p:grpSpPr>
+        <a:xfrm>
+          <a:off x="0" y="0"/>
+          <a:ext cx="0" cy="0"/>
+          <a:chOff x="0" y="0"/>
+          <a:chExt cx="0" cy="0"/>
+        </a:xfrm>
+      </p:grpSpPr>
       <p:sp>
         <p:nvSpPr>
           <p:cNvPr id="2" name="Title 1"/>
@@ -3720,7 +4074,7 @@
               </a:defRPr>
             </a:pPr>
             <a:r>
-              <a:t>Démo : Chatbot FAQ</a:t>
+              <a:t>Architecture simplifiée</a:t>
             </a:r>
           </a:p>
         </p:txBody>
@@ -3748,7 +4102,7 @@
               </a:defRPr>
             </a:pPr>
             <a:r>
-              <a:t>- 3 intents : horaires, disponibilité, contact</a:t>
+              <a:t>- Agent Dialogflow → Webhook facultatif</a:t>
             </a:r>
           </a:p>
           <a:p>
@@ -3760,7 +4114,7 @@
               </a:defRPr>
             </a:pPr>
             <a:r>
-              <a:t>- Créé dans Dialogflow ES</a:t>
+              <a:t>- Intégration via iframe dans site PME</a:t>
             </a:r>
           </a:p>
           <a:p>
@@ -3772,14 +4126,20 @@
               </a:defRPr>
             </a:pPr>
             <a:r>
-              <a:t>- Réponses personnalisées simples</a:t>
+              <a:t>- Backend possible via Firebase</a:t>
             </a:r>
           </a:p>
         </p:txBody>
       </p:sp>
       <p:pic>
         <p:nvPicPr>
-          <p:cNvPr id="4" name="Picture 3" descr="logo_nuage.png"/>
+          <p:cNvPr id="7" name="Picture 3" descr="logo_nuage.png">
+            <a:extLst>
+              <a:ext uri="{FF2B5EF4-FFF2-40B4-BE49-F238E27FC236}">
+                <a16:creationId xmlns:a16="http://schemas.microsoft.com/office/drawing/2014/main" id="{4C1E664F-4E55-018C-A87F-898EF34C1F21}"/>
+              </a:ext>
+            </a:extLst>
+          </p:cNvPr>
           <p:cNvPicPr>
             <a:picLocks noChangeAspect="1"/>
           </p:cNvPicPr>
@@ -3793,12 +4153,15 @@
         </p:blipFill>
         <p:spPr>
           <a:xfrm>
-            <a:off x="8229600" y="182880"/>
+            <a:off x="8036653" y="182880"/>
             <a:ext cx="914400" cy="914400"/>
           </a:xfrm>
           <a:prstGeom prst="rect">
             <a:avLst/>
           </a:prstGeom>
+          <a:effectLst>
+            <a:softEdge rad="63500"/>
+          </a:effectLst>
         </p:spPr>
       </p:pic>
     </p:spTree>
@@ -3809,13 +4172,13 @@
 </p:sld>
 </file>
 
-<file path=ppt/slides/slide6.xml><?xml version="1.0" encoding="utf-8"?>
-<p:sld xmlns:a="http://schemas.openxmlformats.org/drawingml/2006/main" xmlns:p="http://schemas.openxmlformats.org/presentationml/2006/main" xmlns:r="http://schemas.openxmlformats.org/officeDocument/2006/relationships">
+<file path=ppt/slides/slide7.xml><?xml version="1.0" encoding="utf-8"?>
+<p:sld xmlns:a="http://schemas.openxmlformats.org/drawingml/2006/main" xmlns:r="http://schemas.openxmlformats.org/officeDocument/2006/relationships" xmlns:p="http://schemas.openxmlformats.org/presentationml/2006/main">
   <p:cSld>
     <p:bg>
       <p:bgPr>
         <a:solidFill>
-          <a:srgbClr val="FFFFFF"/>
+          <a:srgbClr val="87CEEA"/>
         </a:solidFill>
         <a:effectLst/>
       </p:bgPr>
@@ -3826,7 +4189,14 @@
         <p:cNvGrpSpPr/>
         <p:nvPr/>
       </p:nvGrpSpPr>
-      <p:grpSpPr/>
+      <p:grpSpPr>
+        <a:xfrm>
+          <a:off x="0" y="0"/>
+          <a:ext cx="0" cy="0"/>
+          <a:chOff x="0" y="0"/>
+          <a:chExt cx="0" cy="0"/>
+        </a:xfrm>
+      </p:grpSpPr>
       <p:sp>
         <p:nvSpPr>
           <p:cNvPr id="2" name="Title 1"/>
@@ -3850,7 +4220,7 @@
               </a:defRPr>
             </a:pPr>
             <a:r>
-              <a:t>Architecture simplifiée</a:t>
+              <a:t>Coût estimé</a:t>
             </a:r>
           </a:p>
         </p:txBody>
@@ -3878,7 +4248,7 @@
               </a:defRPr>
             </a:pPr>
             <a:r>
-              <a:t>- Agent Dialogflow → Webhook facultatif</a:t>
+              <a:t>- 1 000 requêtes/jour gratuites</a:t>
             </a:r>
           </a:p>
           <a:p>
@@ -3890,7 +4260,7 @@
               </a:defRPr>
             </a:pPr>
             <a:r>
-              <a:t>- Intégration via iframe dans site PME</a:t>
+              <a:t>- 0.002 USD / requête au-delà</a:t>
             </a:r>
           </a:p>
           <a:p>
@@ -3902,14 +4272,20 @@
               </a:defRPr>
             </a:pPr>
             <a:r>
-              <a:t>- Backend possible via Firebase</a:t>
+              <a:t>- Exemple : 60 000 requêtes = ~60 USD / mois</a:t>
             </a:r>
           </a:p>
         </p:txBody>
       </p:sp>
       <p:pic>
         <p:nvPicPr>
-          <p:cNvPr id="4" name="Picture 3" descr="logo_nuage.png"/>
+          <p:cNvPr id="7" name="Picture 3" descr="logo_nuage.png">
+            <a:extLst>
+              <a:ext uri="{FF2B5EF4-FFF2-40B4-BE49-F238E27FC236}">
+                <a16:creationId xmlns:a16="http://schemas.microsoft.com/office/drawing/2014/main" id="{DC88F714-E874-AA36-B376-310FCAF849E0}"/>
+              </a:ext>
+            </a:extLst>
+          </p:cNvPr>
           <p:cNvPicPr>
             <a:picLocks noChangeAspect="1"/>
           </p:cNvPicPr>
@@ -3923,12 +4299,15 @@
         </p:blipFill>
         <p:spPr>
           <a:xfrm>
-            <a:off x="8229600" y="182880"/>
+            <a:off x="8036653" y="182880"/>
             <a:ext cx="914400" cy="914400"/>
           </a:xfrm>
           <a:prstGeom prst="rect">
             <a:avLst/>
           </a:prstGeom>
+          <a:effectLst>
+            <a:softEdge rad="63500"/>
+          </a:effectLst>
         </p:spPr>
       </p:pic>
     </p:spTree>
@@ -3939,13 +4318,13 @@
 </p:sld>
 </file>
 
-<file path=ppt/slides/slide7.xml><?xml version="1.0" encoding="utf-8"?>
-<p:sld xmlns:a="http://schemas.openxmlformats.org/drawingml/2006/main" xmlns:p="http://schemas.openxmlformats.org/presentationml/2006/main" xmlns:r="http://schemas.openxmlformats.org/officeDocument/2006/relationships">
+<file path=ppt/slides/slide8.xml><?xml version="1.0" encoding="utf-8"?>
+<p:sld xmlns:a="http://schemas.openxmlformats.org/drawingml/2006/main" xmlns:r="http://schemas.openxmlformats.org/officeDocument/2006/relationships" xmlns:p="http://schemas.openxmlformats.org/presentationml/2006/main">
   <p:cSld>
     <p:bg>
       <p:bgPr>
         <a:solidFill>
-          <a:srgbClr val="FFFFFF"/>
+          <a:srgbClr val="87CEEA"/>
         </a:solidFill>
         <a:effectLst/>
       </p:bgPr>
@@ -3956,7 +4335,14 @@
         <p:cNvGrpSpPr/>
         <p:nvPr/>
       </p:nvGrpSpPr>
-      <p:grpSpPr/>
+      <p:grpSpPr>
+        <a:xfrm>
+          <a:off x="0" y="0"/>
+          <a:ext cx="0" cy="0"/>
+          <a:chOff x="0" y="0"/>
+          <a:chExt cx="0" cy="0"/>
+        </a:xfrm>
+      </p:grpSpPr>
       <p:sp>
         <p:nvSpPr>
           <p:cNvPr id="2" name="Title 1"/>
@@ -3980,7 +4366,7 @@
               </a:defRPr>
             </a:pPr>
             <a:r>
-              <a:t>Coût estimé</a:t>
+              <a:t>Avantages &amp; Limites</a:t>
             </a:r>
           </a:p>
         </p:txBody>
@@ -4008,7 +4394,7 @@
               </a:defRPr>
             </a:pPr>
             <a:r>
-              <a:t>- 1 000 requêtes/jour gratuites</a:t>
+              <a:t>✅ Rapide à déployer, NLP Google</a:t>
             </a:r>
           </a:p>
           <a:p>
@@ -4020,7 +4406,7 @@
               </a:defRPr>
             </a:pPr>
             <a:r>
-              <a:t>- 0.002 USD / requête au-delà</a:t>
+              <a:t>❌ Vendor lock-in, peu de contrôle</a:t>
             </a:r>
           </a:p>
           <a:p>
@@ -4032,14 +4418,20 @@
               </a:defRPr>
             </a:pPr>
             <a:r>
-              <a:t>- Exemple : 60 000 requêtes = ~60 USD / mois</a:t>
+              <a:t>❌ Pas open source comme Rasa</a:t>
             </a:r>
           </a:p>
         </p:txBody>
       </p:sp>
       <p:pic>
         <p:nvPicPr>
-          <p:cNvPr id="4" name="Picture 3" descr="logo_nuage.png"/>
+          <p:cNvPr id="7" name="Picture 3" descr="logo_nuage.png">
+            <a:extLst>
+              <a:ext uri="{FF2B5EF4-FFF2-40B4-BE49-F238E27FC236}">
+                <a16:creationId xmlns:a16="http://schemas.microsoft.com/office/drawing/2014/main" id="{A8E49153-72EB-6B2D-E6EC-0E33918ECB1B}"/>
+              </a:ext>
+            </a:extLst>
+          </p:cNvPr>
           <p:cNvPicPr>
             <a:picLocks noChangeAspect="1"/>
           </p:cNvPicPr>
@@ -4053,12 +4445,15 @@
         </p:blipFill>
         <p:spPr>
           <a:xfrm>
-            <a:off x="8229600" y="182880"/>
+            <a:off x="8036653" y="182880"/>
             <a:ext cx="914400" cy="914400"/>
           </a:xfrm>
           <a:prstGeom prst="rect">
             <a:avLst/>
           </a:prstGeom>
+          <a:effectLst>
+            <a:softEdge rad="63500"/>
+          </a:effectLst>
         </p:spPr>
       </p:pic>
     </p:spTree>
@@ -4069,13 +4464,13 @@
 </p:sld>
 </file>
 
-<file path=ppt/slides/slide8.xml><?xml version="1.0" encoding="utf-8"?>
-<p:sld xmlns:a="http://schemas.openxmlformats.org/drawingml/2006/main" xmlns:p="http://schemas.openxmlformats.org/presentationml/2006/main" xmlns:r="http://schemas.openxmlformats.org/officeDocument/2006/relationships">
+<file path=ppt/slides/slide9.xml><?xml version="1.0" encoding="utf-8"?>
+<p:sld xmlns:a="http://schemas.openxmlformats.org/drawingml/2006/main" xmlns:r="http://schemas.openxmlformats.org/officeDocument/2006/relationships" xmlns:p="http://schemas.openxmlformats.org/presentationml/2006/main">
   <p:cSld>
     <p:bg>
       <p:bgPr>
         <a:solidFill>
-          <a:srgbClr val="FFFFFF"/>
+          <a:srgbClr val="87CEEA"/>
         </a:solidFill>
         <a:effectLst/>
       </p:bgPr>
@@ -4086,7 +4481,14 @@
         <p:cNvGrpSpPr/>
         <p:nvPr/>
       </p:nvGrpSpPr>
-      <p:grpSpPr/>
+      <p:grpSpPr>
+        <a:xfrm>
+          <a:off x="0" y="0"/>
+          <a:ext cx="0" cy="0"/>
+          <a:chOff x="0" y="0"/>
+          <a:chExt cx="0" cy="0"/>
+        </a:xfrm>
+      </p:grpSpPr>
       <p:sp>
         <p:nvSpPr>
           <p:cNvPr id="2" name="Title 1"/>
@@ -4110,7 +4512,7 @@
               </a:defRPr>
             </a:pPr>
             <a:r>
-              <a:t>Avantages &amp; Limites</a:t>
+              <a:t>Quand utiliser / éviter</a:t>
             </a:r>
           </a:p>
         </p:txBody>
@@ -4138,7 +4540,7 @@
               </a:defRPr>
             </a:pPr>
             <a:r>
-              <a:t>✅ Rapide à déployer, NLP Google</a:t>
+              <a:t>👍 Utiliser pour support client, FAQ, projets simples</a:t>
             </a:r>
           </a:p>
           <a:p>
@@ -4150,26 +4552,20 @@
               </a:defRPr>
             </a:pPr>
             <a:r>
-              <a:t>❌ Vendor lock-in, peu de contrôle</a:t>
-            </a:r>
-          </a:p>
-          <a:p>
-            <a:pPr>
-              <a:defRPr sz="2000">
-                <a:solidFill>
-                  <a:srgbClr val="000000"/>
-                </a:solidFill>
-              </a:defRPr>
-            </a:pPr>
-            <a:r>
-              <a:t>❌ Pas open source comme Rasa</a:t>
+              <a:t>👎 Éviter si besoin de contrôle local ou dialogue complexe</a:t>
             </a:r>
           </a:p>
         </p:txBody>
       </p:sp>
       <p:pic>
         <p:nvPicPr>
-          <p:cNvPr id="4" name="Picture 3" descr="logo_nuage.png"/>
+          <p:cNvPr id="7" name="Picture 3" descr="logo_nuage.png">
+            <a:extLst>
+              <a:ext uri="{FF2B5EF4-FFF2-40B4-BE49-F238E27FC236}">
+                <a16:creationId xmlns:a16="http://schemas.microsoft.com/office/drawing/2014/main" id="{17960509-0817-4F76-9492-44710DCD17B1}"/>
+              </a:ext>
+            </a:extLst>
+          </p:cNvPr>
           <p:cNvPicPr>
             <a:picLocks noChangeAspect="1"/>
           </p:cNvPicPr>
@@ -4183,130 +4579,15 @@
         </p:blipFill>
         <p:spPr>
           <a:xfrm>
-            <a:off x="8229600" y="182880"/>
+            <a:off x="8036653" y="182880"/>
             <a:ext cx="914400" cy="914400"/>
           </a:xfrm>
           <a:prstGeom prst="rect">
             <a:avLst/>
           </a:prstGeom>
-        </p:spPr>
-      </p:pic>
-    </p:spTree>
-  </p:cSld>
-  <p:clrMapOvr>
-    <a:masterClrMapping/>
-  </p:clrMapOvr>
-</p:sld>
-</file>
-
-<file path=ppt/slides/slide9.xml><?xml version="1.0" encoding="utf-8"?>
-<p:sld xmlns:a="http://schemas.openxmlformats.org/drawingml/2006/main" xmlns:p="http://schemas.openxmlformats.org/presentationml/2006/main" xmlns:r="http://schemas.openxmlformats.org/officeDocument/2006/relationships">
-  <p:cSld>
-    <p:bg>
-      <p:bgPr>
-        <a:solidFill>
-          <a:srgbClr val="FFFFFF"/>
-        </a:solidFill>
-        <a:effectLst/>
-      </p:bgPr>
-    </p:bg>
-    <p:spTree>
-      <p:nvGrpSpPr>
-        <p:cNvPr id="1" name=""/>
-        <p:cNvGrpSpPr/>
-        <p:nvPr/>
-      </p:nvGrpSpPr>
-      <p:grpSpPr/>
-      <p:sp>
-        <p:nvSpPr>
-          <p:cNvPr id="2" name="Title 1"/>
-          <p:cNvSpPr>
-            <a:spLocks noGrp="1"/>
-          </p:cNvSpPr>
-          <p:nvPr>
-            <p:ph type="title"/>
-          </p:nvPr>
-        </p:nvSpPr>
-        <p:spPr/>
-        <p:txBody>
-          <a:bodyPr/>
-          <a:lstStyle/>
-          <a:p>
-            <a:pPr>
-              <a:defRPr sz="3200" b="1">
-                <a:solidFill>
-                  <a:srgbClr val="000000"/>
-                </a:solidFill>
-              </a:defRPr>
-            </a:pPr>
-            <a:r>
-              <a:t>Quand utiliser / éviter</a:t>
-            </a:r>
-          </a:p>
-        </p:txBody>
-      </p:sp>
-      <p:sp>
-        <p:nvSpPr>
-          <p:cNvPr id="3" name="Content Placeholder 2"/>
-          <p:cNvSpPr>
-            <a:spLocks noGrp="1"/>
-          </p:cNvSpPr>
-          <p:nvPr>
-            <p:ph idx="1"/>
-          </p:nvPr>
-        </p:nvSpPr>
-        <p:spPr/>
-        <p:txBody>
-          <a:bodyPr/>
-          <a:lstStyle/>
-          <a:p>
-            <a:pPr>
-              <a:defRPr sz="2000">
-                <a:solidFill>
-                  <a:srgbClr val="000000"/>
-                </a:solidFill>
-              </a:defRPr>
-            </a:pPr>
-            <a:r>
-              <a:t>👍 Utiliser pour support client, FAQ, projets simples</a:t>
-            </a:r>
-          </a:p>
-          <a:p>
-            <a:pPr>
-              <a:defRPr sz="2000">
-                <a:solidFill>
-                  <a:srgbClr val="000000"/>
-                </a:solidFill>
-              </a:defRPr>
-            </a:pPr>
-            <a:r>
-              <a:t>👎 Éviter si besoin de contrôle local ou dialogue complexe</a:t>
-            </a:r>
-          </a:p>
-        </p:txBody>
-      </p:sp>
-      <p:pic>
-        <p:nvPicPr>
-          <p:cNvPr id="4" name="Picture 3" descr="logo_nuage.png"/>
-          <p:cNvPicPr>
-            <a:picLocks noChangeAspect="1"/>
-          </p:cNvPicPr>
-          <p:nvPr/>
-        </p:nvPicPr>
-        <p:blipFill>
-          <a:blip r:embed="rId2"/>
-          <a:stretch>
-            <a:fillRect/>
-          </a:stretch>
-        </p:blipFill>
-        <p:spPr>
-          <a:xfrm>
-            <a:off x="8229600" y="182880"/>
-            <a:ext cx="914400" cy="914400"/>
-          </a:xfrm>
-          <a:prstGeom prst="rect">
-            <a:avLst/>
-          </a:prstGeom>
+          <a:effectLst>
+            <a:softEdge rad="63500"/>
+          </a:effectLst>
         </p:spPr>
       </p:pic>
     </p:spTree>

--- a/Dialogflow_Presentation.pptx
+++ b/Dialogflow_Presentation.pptx
@@ -8,13 +8,16 @@
     <p:sldId id="256" r:id="rId2"/>
     <p:sldId id="257" r:id="rId3"/>
     <p:sldId id="258" r:id="rId4"/>
-    <p:sldId id="259" r:id="rId5"/>
-    <p:sldId id="260" r:id="rId6"/>
-    <p:sldId id="261" r:id="rId7"/>
+    <p:sldId id="260" r:id="rId5"/>
+    <p:sldId id="261" r:id="rId6"/>
+    <p:sldId id="259" r:id="rId7"/>
     <p:sldId id="262" r:id="rId8"/>
     <p:sldId id="263" r:id="rId9"/>
     <p:sldId id="264" r:id="rId10"/>
     <p:sldId id="265" r:id="rId11"/>
+    <p:sldId id="266" r:id="rId12"/>
+    <p:sldId id="267" r:id="rId13"/>
+    <p:sldId id="268" r:id="rId14"/>
   </p:sldIdLst>
   <p:sldSz cx="9144000" cy="6858000" type="screen4x3"/>
   <p:notesSz cx="6858000" cy="9144000"/>
@@ -311,7 +314,7 @@
           <a:p>
             <a:fld id="{5BCAD085-E8A6-8845-BD4E-CB4CCA059FC4}" type="datetimeFigureOut">
               <a:rPr lang="en-US" smtClean="0"/>
-              <a:t>6/5/2025</a:t>
+              <a:t>6/9/2025</a:t>
             </a:fld>
             <a:endParaRPr lang="en-US"/>
           </a:p>
@@ -479,7 +482,7 @@
           <a:p>
             <a:fld id="{5BCAD085-E8A6-8845-BD4E-CB4CCA059FC4}" type="datetimeFigureOut">
               <a:rPr lang="en-US" smtClean="0"/>
-              <a:t>6/5/2025</a:t>
+              <a:t>6/9/2025</a:t>
             </a:fld>
             <a:endParaRPr lang="en-US"/>
           </a:p>
@@ -657,7 +660,7 @@
           <a:p>
             <a:fld id="{5BCAD085-E8A6-8845-BD4E-CB4CCA059FC4}" type="datetimeFigureOut">
               <a:rPr lang="en-US" smtClean="0"/>
-              <a:t>6/5/2025</a:t>
+              <a:t>6/9/2025</a:t>
             </a:fld>
             <a:endParaRPr lang="en-US"/>
           </a:p>
@@ -825,7 +828,7 @@
           <a:p>
             <a:fld id="{5BCAD085-E8A6-8845-BD4E-CB4CCA059FC4}" type="datetimeFigureOut">
               <a:rPr lang="en-US" smtClean="0"/>
-              <a:t>6/5/2025</a:t>
+              <a:t>6/9/2025</a:t>
             </a:fld>
             <a:endParaRPr lang="en-US"/>
           </a:p>
@@ -1070,7 +1073,7 @@
           <a:p>
             <a:fld id="{5BCAD085-E8A6-8845-BD4E-CB4CCA059FC4}" type="datetimeFigureOut">
               <a:rPr lang="en-US" smtClean="0"/>
-              <a:t>6/5/2025</a:t>
+              <a:t>6/9/2025</a:t>
             </a:fld>
             <a:endParaRPr lang="en-US"/>
           </a:p>
@@ -1355,7 +1358,7 @@
           <a:p>
             <a:fld id="{5BCAD085-E8A6-8845-BD4E-CB4CCA059FC4}" type="datetimeFigureOut">
               <a:rPr lang="en-US" smtClean="0"/>
-              <a:t>6/5/2025</a:t>
+              <a:t>6/9/2025</a:t>
             </a:fld>
             <a:endParaRPr lang="en-US"/>
           </a:p>
@@ -1774,7 +1777,7 @@
           <a:p>
             <a:fld id="{5BCAD085-E8A6-8845-BD4E-CB4CCA059FC4}" type="datetimeFigureOut">
               <a:rPr lang="en-US" smtClean="0"/>
-              <a:t>6/5/2025</a:t>
+              <a:t>6/9/2025</a:t>
             </a:fld>
             <a:endParaRPr lang="en-US"/>
           </a:p>
@@ -1891,7 +1894,7 @@
           <a:p>
             <a:fld id="{5BCAD085-E8A6-8845-BD4E-CB4CCA059FC4}" type="datetimeFigureOut">
               <a:rPr lang="en-US" smtClean="0"/>
-              <a:t>6/5/2025</a:t>
+              <a:t>6/9/2025</a:t>
             </a:fld>
             <a:endParaRPr lang="en-US"/>
           </a:p>
@@ -1986,7 +1989,7 @@
           <a:p>
             <a:fld id="{5BCAD085-E8A6-8845-BD4E-CB4CCA059FC4}" type="datetimeFigureOut">
               <a:rPr lang="en-US" smtClean="0"/>
-              <a:t>6/5/2025</a:t>
+              <a:t>6/9/2025</a:t>
             </a:fld>
             <a:endParaRPr lang="en-US"/>
           </a:p>
@@ -2261,7 +2264,7 @@
           <a:p>
             <a:fld id="{5BCAD085-E8A6-8845-BD4E-CB4CCA059FC4}" type="datetimeFigureOut">
               <a:rPr lang="en-US" smtClean="0"/>
-              <a:t>6/5/2025</a:t>
+              <a:t>6/9/2025</a:t>
             </a:fld>
             <a:endParaRPr lang="en-US"/>
           </a:p>
@@ -2513,7 +2516,7 @@
           <a:p>
             <a:fld id="{5BCAD085-E8A6-8845-BD4E-CB4CCA059FC4}" type="datetimeFigureOut">
               <a:rPr lang="en-US" smtClean="0"/>
-              <a:t>6/5/2025</a:t>
+              <a:t>6/9/2025</a:t>
             </a:fld>
             <a:endParaRPr lang="en-US"/>
           </a:p>
@@ -2724,7 +2727,7 @@
           <a:p>
             <a:fld id="{5BCAD085-E8A6-8845-BD4E-CB4CCA059FC4}" type="datetimeFigureOut">
               <a:rPr lang="en-US" smtClean="0"/>
-              <a:t>6/5/2025</a:t>
+              <a:t>6/9/2025</a:t>
             </a:fld>
             <a:endParaRPr lang="en-US"/>
           </a:p>
@@ -3296,83 +3299,9 @@
           <a:chExt cx="0" cy="0"/>
         </a:xfrm>
       </p:grpSpPr>
-      <p:sp>
-        <p:nvSpPr>
-          <p:cNvPr id="2" name="Title 1"/>
-          <p:cNvSpPr>
-            <a:spLocks noGrp="1"/>
-          </p:cNvSpPr>
-          <p:nvPr>
-            <p:ph type="title"/>
-          </p:nvPr>
-        </p:nvSpPr>
-        <p:spPr/>
-        <p:txBody>
-          <a:bodyPr/>
-          <a:lstStyle/>
-          <a:p>
-            <a:pPr>
-              <a:defRPr sz="3200" b="1">
-                <a:solidFill>
-                  <a:srgbClr val="000000"/>
-                </a:solidFill>
-              </a:defRPr>
-            </a:pPr>
-            <a:r>
-              <a:t>Ressources utiles</a:t>
-            </a:r>
-          </a:p>
-        </p:txBody>
-      </p:sp>
-      <p:sp>
-        <p:nvSpPr>
-          <p:cNvPr id="3" name="Content Placeholder 2"/>
-          <p:cNvSpPr>
-            <a:spLocks noGrp="1"/>
-          </p:cNvSpPr>
-          <p:nvPr>
-            <p:ph idx="1"/>
-          </p:nvPr>
-        </p:nvSpPr>
-        <p:spPr/>
-        <p:txBody>
-          <a:bodyPr/>
-          <a:lstStyle/>
-          <a:p>
-            <a:pPr>
-              <a:defRPr sz="2000">
-                <a:solidFill>
-                  <a:srgbClr val="000000"/>
-                </a:solidFill>
-              </a:defRPr>
-            </a:pPr>
-            <a:r>
-              <a:t>- https://cloud.google.com/dialogflow/docs</a:t>
-            </a:r>
-          </a:p>
-          <a:p>
-            <a:pPr>
-              <a:defRPr sz="2000">
-                <a:solidFill>
-                  <a:srgbClr val="000000"/>
-                </a:solidFill>
-              </a:defRPr>
-            </a:pPr>
-            <a:r>
-              <a:t>- Codelabs, tutoriels, formations</a:t>
-            </a:r>
-          </a:p>
-        </p:txBody>
-      </p:sp>
       <p:pic>
         <p:nvPicPr>
-          <p:cNvPr id="9" name="Picture 3" descr="logo_nuage.png">
-            <a:extLst>
-              <a:ext uri="{FF2B5EF4-FFF2-40B4-BE49-F238E27FC236}">
-                <a16:creationId xmlns:a16="http://schemas.microsoft.com/office/drawing/2014/main" id="{F60DA6D5-F3DA-5D81-1C5D-D1A82F99188E}"/>
-              </a:ext>
-            </a:extLst>
-          </p:cNvPr>
+          <p:cNvPr id="4" name="Picture 3" descr="logo_nuage.png"/>
           <p:cNvPicPr>
             <a:picLocks noChangeAspect="1"/>
           </p:cNvPicPr>
@@ -3397,7 +3326,672 @@
           </a:effectLst>
         </p:spPr>
       </p:pic>
+      <p:sp>
+        <p:nvSpPr>
+          <p:cNvPr id="2" name="Title 1"/>
+          <p:cNvSpPr>
+            <a:spLocks noGrp="1"/>
+          </p:cNvSpPr>
+          <p:nvPr>
+            <p:ph type="title"/>
+          </p:nvPr>
+        </p:nvSpPr>
+        <p:spPr>
+          <a:xfrm>
+            <a:off x="457200" y="525780"/>
+            <a:ext cx="8229600" cy="1143000"/>
+          </a:xfrm>
+        </p:spPr>
+        <p:txBody>
+          <a:bodyPr>
+            <a:normAutofit/>
+          </a:bodyPr>
+          <a:lstStyle/>
+          <a:p>
+            <a:pPr>
+              <a:defRPr sz="3200" b="1">
+                <a:solidFill>
+                  <a:srgbClr val="000000"/>
+                </a:solidFill>
+              </a:defRPr>
+            </a:pPr>
+            <a:r>
+              <a:rPr lang="fr-FR" sz="3500" dirty="0"/>
+              <a:t>Avantages &amp; limites</a:t>
+            </a:r>
+            <a:endParaRPr lang="fr-CH" sz="3500" dirty="0"/>
+          </a:p>
+        </p:txBody>
+      </p:sp>
+      <p:sp>
+        <p:nvSpPr>
+          <p:cNvPr id="3" name="Content Placeholder 2"/>
+          <p:cNvSpPr>
+            <a:spLocks noGrp="1"/>
+          </p:cNvSpPr>
+          <p:nvPr>
+            <p:ph idx="1"/>
+          </p:nvPr>
+        </p:nvSpPr>
+        <p:spPr>
+          <a:xfrm>
+            <a:off x="457200" y="2284427"/>
+            <a:ext cx="8229600" cy="2606356"/>
+          </a:xfrm>
+        </p:spPr>
+        <p:txBody>
+          <a:bodyPr>
+            <a:normAutofit/>
+          </a:bodyPr>
+          <a:lstStyle/>
+          <a:p>
+            <a:pPr marL="0" indent="0">
+              <a:lnSpc>
+                <a:spcPct val="150000"/>
+              </a:lnSpc>
+              <a:buNone/>
+              <a:defRPr sz="2000">
+                <a:solidFill>
+                  <a:srgbClr val="000000"/>
+                </a:solidFill>
+              </a:defRPr>
+            </a:pPr>
+            <a:r>
+              <a:rPr lang="fr-FR" sz="2400" dirty="0"/>
+              <a:t>✅ Facile à déployer, NLP puissant de Google</a:t>
+            </a:r>
+            <a:br>
+              <a:rPr lang="fr-FR" sz="2400" dirty="0"/>
+            </a:br>
+            <a:r>
+              <a:rPr lang="fr-FR" sz="2400" dirty="0"/>
+              <a:t>✅ Multilingue, bon support des langues</a:t>
+            </a:r>
+            <a:br>
+              <a:rPr lang="fr-FR" sz="2400" dirty="0"/>
+            </a:br>
+            <a:r>
+              <a:rPr lang="fr-FR" sz="2400" dirty="0"/>
+              <a:t>❌ </a:t>
+            </a:r>
+            <a:r>
+              <a:rPr lang="fr-FR" sz="2400" dirty="0" err="1"/>
+              <a:t>Vendor</a:t>
+            </a:r>
+            <a:r>
+              <a:rPr lang="fr-FR" sz="2400" dirty="0"/>
+              <a:t> lock-in (Google Cloud)</a:t>
+            </a:r>
+            <a:br>
+              <a:rPr lang="fr-FR" sz="2400" dirty="0"/>
+            </a:br>
+            <a:r>
+              <a:rPr lang="fr-FR" sz="2400" dirty="0"/>
+              <a:t>❌ Moins de contrôle que des solutions open-source (ex. Rasa)</a:t>
+            </a:r>
+            <a:endParaRPr lang="fr-FR" sz="2500" dirty="0"/>
+          </a:p>
+        </p:txBody>
+      </p:sp>
     </p:spTree>
+    <p:extLst>
+      <p:ext uri="{BB962C8B-B14F-4D97-AF65-F5344CB8AC3E}">
+        <p14:creationId xmlns:p14="http://schemas.microsoft.com/office/powerpoint/2010/main" val="4217588249"/>
+      </p:ext>
+    </p:extLst>
+  </p:cSld>
+  <p:clrMapOvr>
+    <a:masterClrMapping/>
+  </p:clrMapOvr>
+</p:sld>
+</file>
+
+<file path=ppt/slides/slide11.xml><?xml version="1.0" encoding="utf-8"?>
+<p:sld xmlns:a="http://schemas.openxmlformats.org/drawingml/2006/main" xmlns:r="http://schemas.openxmlformats.org/officeDocument/2006/relationships" xmlns:p="http://schemas.openxmlformats.org/presentationml/2006/main">
+  <p:cSld>
+    <p:bg>
+      <p:bgPr>
+        <a:solidFill>
+          <a:srgbClr val="87CEEA"/>
+        </a:solidFill>
+        <a:effectLst/>
+      </p:bgPr>
+    </p:bg>
+    <p:spTree>
+      <p:nvGrpSpPr>
+        <p:cNvPr id="1" name=""/>
+        <p:cNvGrpSpPr/>
+        <p:nvPr/>
+      </p:nvGrpSpPr>
+      <p:grpSpPr>
+        <a:xfrm>
+          <a:off x="0" y="0"/>
+          <a:ext cx="0" cy="0"/>
+          <a:chOff x="0" y="0"/>
+          <a:chExt cx="0" cy="0"/>
+        </a:xfrm>
+      </p:grpSpPr>
+      <p:pic>
+        <p:nvPicPr>
+          <p:cNvPr id="4" name="Picture 3" descr="logo_nuage.png"/>
+          <p:cNvPicPr>
+            <a:picLocks noChangeAspect="1"/>
+          </p:cNvPicPr>
+          <p:nvPr/>
+        </p:nvPicPr>
+        <p:blipFill>
+          <a:blip r:embed="rId2"/>
+          <a:stretch>
+            <a:fillRect/>
+          </a:stretch>
+        </p:blipFill>
+        <p:spPr>
+          <a:xfrm>
+            <a:off x="8036653" y="182880"/>
+            <a:ext cx="914400" cy="914400"/>
+          </a:xfrm>
+          <a:prstGeom prst="rect">
+            <a:avLst/>
+          </a:prstGeom>
+          <a:effectLst>
+            <a:softEdge rad="63500"/>
+          </a:effectLst>
+        </p:spPr>
+      </p:pic>
+      <p:sp>
+        <p:nvSpPr>
+          <p:cNvPr id="2" name="Title 1"/>
+          <p:cNvSpPr>
+            <a:spLocks noGrp="1"/>
+          </p:cNvSpPr>
+          <p:nvPr>
+            <p:ph type="title"/>
+          </p:nvPr>
+        </p:nvSpPr>
+        <p:spPr>
+          <a:xfrm>
+            <a:off x="457200" y="525780"/>
+            <a:ext cx="8229600" cy="1143000"/>
+          </a:xfrm>
+        </p:spPr>
+        <p:txBody>
+          <a:bodyPr>
+            <a:normAutofit/>
+          </a:bodyPr>
+          <a:lstStyle/>
+          <a:p>
+            <a:pPr>
+              <a:defRPr sz="3200" b="1">
+                <a:solidFill>
+                  <a:srgbClr val="000000"/>
+                </a:solidFill>
+              </a:defRPr>
+            </a:pPr>
+            <a:r>
+              <a:rPr lang="fr-FR" sz="3500" dirty="0"/>
+              <a:t>Quand utiliser / éviter</a:t>
+            </a:r>
+            <a:endParaRPr lang="fr-CH" sz="3500" dirty="0"/>
+          </a:p>
+        </p:txBody>
+      </p:sp>
+      <p:sp>
+        <p:nvSpPr>
+          <p:cNvPr id="3" name="Content Placeholder 2"/>
+          <p:cNvSpPr>
+            <a:spLocks noGrp="1"/>
+          </p:cNvSpPr>
+          <p:nvPr>
+            <p:ph idx="1"/>
+          </p:nvPr>
+        </p:nvSpPr>
+        <p:spPr>
+          <a:xfrm>
+            <a:off x="457200" y="2108257"/>
+            <a:ext cx="8229600" cy="3529145"/>
+          </a:xfrm>
+        </p:spPr>
+        <p:txBody>
+          <a:bodyPr>
+            <a:normAutofit/>
+          </a:bodyPr>
+          <a:lstStyle/>
+          <a:p>
+            <a:r>
+              <a:rPr lang="fr-FR" sz="2500" b="1" dirty="0"/>
+              <a:t>À utiliser si</a:t>
+            </a:r>
+            <a:br>
+              <a:rPr lang="fr-FR" sz="2500" dirty="0"/>
+            </a:br>
+            <a:r>
+              <a:rPr lang="fr-FR" sz="2500" dirty="0"/>
+              <a:t>✔️ Projet simple ou FAQ</a:t>
+            </a:r>
+            <a:br>
+              <a:rPr lang="fr-FR" sz="2500" dirty="0"/>
+            </a:br>
+            <a:r>
+              <a:rPr lang="fr-FR" sz="2500" dirty="0"/>
+              <a:t>✔️ Support client basique</a:t>
+            </a:r>
+            <a:br>
+              <a:rPr lang="fr-FR" sz="2500" dirty="0"/>
+            </a:br>
+            <a:r>
+              <a:rPr lang="fr-FR" sz="2500" dirty="0"/>
+              <a:t>✔️ Intégration rapide sans dev complexe</a:t>
+            </a:r>
+          </a:p>
+          <a:p>
+            <a:pPr marL="0" indent="0">
+              <a:buNone/>
+            </a:pPr>
+            <a:endParaRPr lang="fr-FR" sz="2500" dirty="0"/>
+          </a:p>
+          <a:p>
+            <a:r>
+              <a:rPr lang="fr-FR" sz="2500" b="1" dirty="0"/>
+              <a:t>À éviter si</a:t>
+            </a:r>
+            <a:br>
+              <a:rPr lang="fr-FR" sz="2500" dirty="0"/>
+            </a:br>
+            <a:r>
+              <a:rPr lang="fr-FR" sz="2500" dirty="0"/>
+              <a:t>❌ Dialogue très complexe</a:t>
+            </a:r>
+            <a:br>
+              <a:rPr lang="fr-FR" sz="2500" dirty="0"/>
+            </a:br>
+            <a:r>
+              <a:rPr lang="fr-FR" sz="2500" dirty="0"/>
+              <a:t>❌ Besoin de contrôle local ou de confidentialité extrême</a:t>
+            </a:r>
+          </a:p>
+          <a:p>
+            <a:pPr marL="0" indent="0">
+              <a:lnSpc>
+                <a:spcPct val="150000"/>
+              </a:lnSpc>
+              <a:buNone/>
+              <a:defRPr sz="2000">
+                <a:solidFill>
+                  <a:srgbClr val="000000"/>
+                </a:solidFill>
+              </a:defRPr>
+            </a:pPr>
+            <a:endParaRPr lang="fr-FR" sz="2500" dirty="0"/>
+          </a:p>
+        </p:txBody>
+      </p:sp>
+    </p:spTree>
+    <p:extLst>
+      <p:ext uri="{BB962C8B-B14F-4D97-AF65-F5344CB8AC3E}">
+        <p14:creationId xmlns:p14="http://schemas.microsoft.com/office/powerpoint/2010/main" val="3220211956"/>
+      </p:ext>
+    </p:extLst>
+  </p:cSld>
+  <p:clrMapOvr>
+    <a:masterClrMapping/>
+  </p:clrMapOvr>
+</p:sld>
+</file>
+
+<file path=ppt/slides/slide12.xml><?xml version="1.0" encoding="utf-8"?>
+<p:sld xmlns:a="http://schemas.openxmlformats.org/drawingml/2006/main" xmlns:r="http://schemas.openxmlformats.org/officeDocument/2006/relationships" xmlns:p="http://schemas.openxmlformats.org/presentationml/2006/main">
+  <p:cSld>
+    <p:bg>
+      <p:bgPr>
+        <a:solidFill>
+          <a:srgbClr val="87CEEA"/>
+        </a:solidFill>
+        <a:effectLst/>
+      </p:bgPr>
+    </p:bg>
+    <p:spTree>
+      <p:nvGrpSpPr>
+        <p:cNvPr id="1" name=""/>
+        <p:cNvGrpSpPr/>
+        <p:nvPr/>
+      </p:nvGrpSpPr>
+      <p:grpSpPr>
+        <a:xfrm>
+          <a:off x="0" y="0"/>
+          <a:ext cx="0" cy="0"/>
+          <a:chOff x="0" y="0"/>
+          <a:chExt cx="0" cy="0"/>
+        </a:xfrm>
+      </p:grpSpPr>
+      <p:pic>
+        <p:nvPicPr>
+          <p:cNvPr id="4" name="Picture 3" descr="logo_nuage.png"/>
+          <p:cNvPicPr>
+            <a:picLocks noChangeAspect="1"/>
+          </p:cNvPicPr>
+          <p:nvPr/>
+        </p:nvPicPr>
+        <p:blipFill>
+          <a:blip r:embed="rId2"/>
+          <a:stretch>
+            <a:fillRect/>
+          </a:stretch>
+        </p:blipFill>
+        <p:spPr>
+          <a:xfrm>
+            <a:off x="8036653" y="182880"/>
+            <a:ext cx="914400" cy="914400"/>
+          </a:xfrm>
+          <a:prstGeom prst="rect">
+            <a:avLst/>
+          </a:prstGeom>
+          <a:effectLst>
+            <a:softEdge rad="63500"/>
+          </a:effectLst>
+        </p:spPr>
+      </p:pic>
+      <p:sp>
+        <p:nvSpPr>
+          <p:cNvPr id="2" name="Title 1"/>
+          <p:cNvSpPr>
+            <a:spLocks noGrp="1"/>
+          </p:cNvSpPr>
+          <p:nvPr>
+            <p:ph type="title"/>
+          </p:nvPr>
+        </p:nvSpPr>
+        <p:spPr>
+          <a:xfrm>
+            <a:off x="457200" y="525780"/>
+            <a:ext cx="8229600" cy="1143000"/>
+          </a:xfrm>
+        </p:spPr>
+        <p:txBody>
+          <a:bodyPr>
+            <a:normAutofit/>
+          </a:bodyPr>
+          <a:lstStyle/>
+          <a:p>
+            <a:pPr>
+              <a:defRPr sz="3200" b="1">
+                <a:solidFill>
+                  <a:srgbClr val="000000"/>
+                </a:solidFill>
+              </a:defRPr>
+            </a:pPr>
+            <a:r>
+              <a:rPr lang="fr-FR" sz="3500" dirty="0"/>
+              <a:t>Ressources utiles</a:t>
+            </a:r>
+            <a:endParaRPr lang="fr-CH" sz="3500" dirty="0"/>
+          </a:p>
+        </p:txBody>
+      </p:sp>
+      <p:sp>
+        <p:nvSpPr>
+          <p:cNvPr id="3" name="Content Placeholder 2"/>
+          <p:cNvSpPr>
+            <a:spLocks noGrp="1"/>
+          </p:cNvSpPr>
+          <p:nvPr>
+            <p:ph idx="1"/>
+          </p:nvPr>
+        </p:nvSpPr>
+        <p:spPr>
+          <a:xfrm>
+            <a:off x="457200" y="2293602"/>
+            <a:ext cx="8229600" cy="2270796"/>
+          </a:xfrm>
+        </p:spPr>
+        <p:txBody>
+          <a:bodyPr>
+            <a:normAutofit/>
+          </a:bodyPr>
+          <a:lstStyle/>
+          <a:p>
+            <a:pPr>
+              <a:lnSpc>
+                <a:spcPct val="150000"/>
+              </a:lnSpc>
+              <a:buFont typeface="Arial" panose="020B0604020202020204" pitchFamily="34" charset="0"/>
+              <a:buChar char="•"/>
+              <a:defRPr sz="2000">
+                <a:solidFill>
+                  <a:srgbClr val="000000"/>
+                </a:solidFill>
+              </a:defRPr>
+            </a:pPr>
+            <a:r>
+              <a:rPr lang="fr-FR" sz="2500" dirty="0"/>
+              <a:t>Docs officielles : </a:t>
+            </a:r>
+            <a:r>
+              <a:rPr lang="fr-FR" sz="2500" dirty="0">
+                <a:hlinkClick r:id="rId3"/>
+              </a:rPr>
+              <a:t>https://cloud.google.com/dialogflow/docs</a:t>
+            </a:r>
+            <a:endParaRPr lang="fr-FR" sz="2500" dirty="0"/>
+          </a:p>
+          <a:p>
+            <a:pPr>
+              <a:lnSpc>
+                <a:spcPct val="150000"/>
+              </a:lnSpc>
+              <a:buFont typeface="Arial" panose="020B0604020202020204" pitchFamily="34" charset="0"/>
+              <a:buChar char="•"/>
+              <a:defRPr sz="2000">
+                <a:solidFill>
+                  <a:srgbClr val="000000"/>
+                </a:solidFill>
+              </a:defRPr>
+            </a:pPr>
+            <a:r>
+              <a:rPr lang="fr-FR" sz="2500" dirty="0"/>
+              <a:t>Tutoriels : Google </a:t>
+            </a:r>
+            <a:r>
+              <a:rPr lang="fr-FR" sz="2500" dirty="0" err="1"/>
+              <a:t>Codelabs</a:t>
+            </a:r>
+            <a:r>
+              <a:rPr lang="fr-FR" sz="2500" dirty="0"/>
+              <a:t>, YouTube, etc.</a:t>
+            </a:r>
+          </a:p>
+          <a:p>
+            <a:pPr>
+              <a:lnSpc>
+                <a:spcPct val="150000"/>
+              </a:lnSpc>
+              <a:buFont typeface="Arial" panose="020B0604020202020204" pitchFamily="34" charset="0"/>
+              <a:buChar char="•"/>
+              <a:defRPr sz="2000">
+                <a:solidFill>
+                  <a:srgbClr val="000000"/>
+                </a:solidFill>
+              </a:defRPr>
+            </a:pPr>
+            <a:r>
+              <a:rPr lang="fr-FR" sz="2500" dirty="0"/>
+              <a:t>Intégrations : </a:t>
+            </a:r>
+            <a:r>
+              <a:rPr lang="fr-FR" sz="2500" dirty="0" err="1"/>
+              <a:t>Firebase</a:t>
+            </a:r>
+            <a:r>
+              <a:rPr lang="fr-FR" sz="2500" dirty="0"/>
+              <a:t>, Messenger, Slack, WhatsApp, etc.</a:t>
+            </a:r>
+          </a:p>
+        </p:txBody>
+      </p:sp>
+    </p:spTree>
+    <p:extLst>
+      <p:ext uri="{BB962C8B-B14F-4D97-AF65-F5344CB8AC3E}">
+        <p14:creationId xmlns:p14="http://schemas.microsoft.com/office/powerpoint/2010/main" val="1637867531"/>
+      </p:ext>
+    </p:extLst>
+  </p:cSld>
+  <p:clrMapOvr>
+    <a:masterClrMapping/>
+  </p:clrMapOvr>
+</p:sld>
+</file>
+
+<file path=ppt/slides/slide13.xml><?xml version="1.0" encoding="utf-8"?>
+<p:sld xmlns:a="http://schemas.openxmlformats.org/drawingml/2006/main" xmlns:r="http://schemas.openxmlformats.org/officeDocument/2006/relationships" xmlns:p="http://schemas.openxmlformats.org/presentationml/2006/main">
+  <p:cSld>
+    <p:bg>
+      <p:bgPr>
+        <a:solidFill>
+          <a:srgbClr val="87CEEA"/>
+        </a:solidFill>
+        <a:effectLst/>
+      </p:bgPr>
+    </p:bg>
+    <p:spTree>
+      <p:nvGrpSpPr>
+        <p:cNvPr id="1" name=""/>
+        <p:cNvGrpSpPr/>
+        <p:nvPr/>
+      </p:nvGrpSpPr>
+      <p:grpSpPr>
+        <a:xfrm>
+          <a:off x="0" y="0"/>
+          <a:ext cx="0" cy="0"/>
+          <a:chOff x="0" y="0"/>
+          <a:chExt cx="0" cy="0"/>
+        </a:xfrm>
+      </p:grpSpPr>
+      <p:pic>
+        <p:nvPicPr>
+          <p:cNvPr id="4" name="Picture 3" descr="logo_nuage.png"/>
+          <p:cNvPicPr>
+            <a:picLocks noChangeAspect="1"/>
+          </p:cNvPicPr>
+          <p:nvPr/>
+        </p:nvPicPr>
+        <p:blipFill>
+          <a:blip r:embed="rId2"/>
+          <a:stretch>
+            <a:fillRect/>
+          </a:stretch>
+        </p:blipFill>
+        <p:spPr>
+          <a:xfrm>
+            <a:off x="8036653" y="182880"/>
+            <a:ext cx="914400" cy="914400"/>
+          </a:xfrm>
+          <a:prstGeom prst="rect">
+            <a:avLst/>
+          </a:prstGeom>
+          <a:effectLst>
+            <a:softEdge rad="63500"/>
+          </a:effectLst>
+        </p:spPr>
+      </p:pic>
+      <p:sp>
+        <p:nvSpPr>
+          <p:cNvPr id="2" name="Title 1"/>
+          <p:cNvSpPr>
+            <a:spLocks noGrp="1"/>
+          </p:cNvSpPr>
+          <p:nvPr>
+            <p:ph type="title"/>
+          </p:nvPr>
+        </p:nvSpPr>
+        <p:spPr>
+          <a:xfrm>
+            <a:off x="457200" y="525780"/>
+            <a:ext cx="8229600" cy="1143000"/>
+          </a:xfrm>
+        </p:spPr>
+        <p:txBody>
+          <a:bodyPr>
+            <a:normAutofit/>
+          </a:bodyPr>
+          <a:lstStyle/>
+          <a:p>
+            <a:pPr>
+              <a:defRPr sz="3200" b="1">
+                <a:solidFill>
+                  <a:srgbClr val="000000"/>
+                </a:solidFill>
+              </a:defRPr>
+            </a:pPr>
+            <a:r>
+              <a:rPr lang="fr-FR" sz="3500" dirty="0"/>
+              <a:t>Questions</a:t>
+            </a:r>
+            <a:endParaRPr lang="fr-CH" sz="3500" dirty="0"/>
+          </a:p>
+        </p:txBody>
+      </p:sp>
+      <p:sp>
+        <p:nvSpPr>
+          <p:cNvPr id="3" name="Content Placeholder 2"/>
+          <p:cNvSpPr>
+            <a:spLocks noGrp="1"/>
+          </p:cNvSpPr>
+          <p:nvPr>
+            <p:ph idx="1"/>
+          </p:nvPr>
+        </p:nvSpPr>
+        <p:spPr>
+          <a:xfrm>
+            <a:off x="457200" y="2638140"/>
+            <a:ext cx="8229600" cy="1581719"/>
+          </a:xfrm>
+        </p:spPr>
+        <p:txBody>
+          <a:bodyPr>
+            <a:normAutofit/>
+          </a:bodyPr>
+          <a:lstStyle/>
+          <a:p>
+            <a:pPr marL="0" indent="0" algn="ctr">
+              <a:lnSpc>
+                <a:spcPct val="150000"/>
+              </a:lnSpc>
+              <a:buNone/>
+              <a:defRPr sz="2000">
+                <a:solidFill>
+                  <a:srgbClr val="000000"/>
+                </a:solidFill>
+              </a:defRPr>
+            </a:pPr>
+            <a:r>
+              <a:rPr lang="fr-FR" sz="3000" dirty="0"/>
+              <a:t>Merci d’avoir écouté</a:t>
+            </a:r>
+          </a:p>
+          <a:p>
+            <a:pPr marL="0" indent="0" algn="ctr">
+              <a:lnSpc>
+                <a:spcPct val="150000"/>
+              </a:lnSpc>
+              <a:buNone/>
+              <a:defRPr sz="2000">
+                <a:solidFill>
+                  <a:srgbClr val="000000"/>
+                </a:solidFill>
+              </a:defRPr>
+            </a:pPr>
+            <a:r>
+              <a:rPr lang="fr-FR" sz="3000" dirty="0"/>
+              <a:t>Avez-vous des questions ?</a:t>
+            </a:r>
+          </a:p>
+        </p:txBody>
+      </p:sp>
+    </p:spTree>
+    <p:extLst>
+      <p:ext uri="{BB962C8B-B14F-4D97-AF65-F5344CB8AC3E}">
+        <p14:creationId xmlns:p14="http://schemas.microsoft.com/office/powerpoint/2010/main" val="2612471446"/>
+      </p:ext>
+    </p:extLst>
   </p:cSld>
   <p:clrMapOvr>
     <a:masterClrMapping/>
@@ -3440,9 +4034,16 @@
             <p:ph type="title"/>
           </p:nvPr>
         </p:nvSpPr>
-        <p:spPr/>
-        <p:txBody>
-          <a:bodyPr/>
+        <p:spPr>
+          <a:xfrm>
+            <a:off x="457200" y="525780"/>
+            <a:ext cx="8229600" cy="1143000"/>
+          </a:xfrm>
+        </p:spPr>
+        <p:txBody>
+          <a:bodyPr>
+            <a:normAutofit/>
+          </a:bodyPr>
           <a:lstStyle/>
           <a:p>
             <a:pPr>
@@ -3453,8 +4054,10 @@
               </a:defRPr>
             </a:pPr>
             <a:r>
-              <a:t>Contexte</a:t>
-            </a:r>
+              <a:rPr lang="fr-CH" sz="3500" dirty="0"/>
+              <a:t>Objectifs de la présentation</a:t>
+            </a:r>
+            <a:endParaRPr sz="3500" dirty="0"/>
           </a:p>
         </p:txBody>
       </p:sp>
@@ -3468,12 +4071,22 @@
             <p:ph idx="1"/>
           </p:nvPr>
         </p:nvSpPr>
-        <p:spPr/>
-        <p:txBody>
-          <a:bodyPr/>
+        <p:spPr>
+          <a:xfrm>
+            <a:off x="457200" y="2264502"/>
+            <a:ext cx="8229600" cy="2909931"/>
+          </a:xfrm>
+        </p:spPr>
+        <p:txBody>
+          <a:bodyPr>
+            <a:normAutofit/>
+          </a:bodyPr>
           <a:lstStyle/>
           <a:p>
             <a:pPr>
+              <a:lnSpc>
+                <a:spcPct val="150000"/>
+              </a:lnSpc>
               <a:defRPr sz="2000">
                 <a:solidFill>
                   <a:srgbClr val="000000"/>
@@ -3481,36 +4094,23 @@
               </a:defRPr>
             </a:pPr>
             <a:r>
-              <a:rPr dirty="0"/>
-              <a:t>PME </a:t>
-            </a:r>
-            <a:r>
-              <a:rPr dirty="0" err="1"/>
-              <a:t>souhaitant</a:t>
-            </a:r>
-            <a:r>
-              <a:rPr dirty="0"/>
-              <a:t> </a:t>
-            </a:r>
-            <a:r>
-              <a:rPr dirty="0" err="1"/>
-              <a:t>améliorer</a:t>
-            </a:r>
-            <a:r>
-              <a:rPr dirty="0"/>
-              <a:t> </a:t>
-            </a:r>
-            <a:r>
-              <a:rPr dirty="0" err="1"/>
-              <a:t>l’interaction</a:t>
-            </a:r>
-            <a:r>
-              <a:rPr dirty="0"/>
-              <a:t> client.</a:t>
+              <a:rPr lang="fr-CH" sz="2500" dirty="0"/>
+              <a:t>Qu’est-ce que </a:t>
+            </a:r>
+            <a:r>
+              <a:rPr lang="fr-CH" sz="2500" dirty="0" err="1"/>
+              <a:t>Dialogflow</a:t>
+            </a:r>
+            <a:r>
+              <a:rPr lang="fr-CH" sz="2500" dirty="0"/>
+              <a:t> ES ?</a:t>
             </a:r>
           </a:p>
           <a:p>
             <a:pPr>
+              <a:lnSpc>
+                <a:spcPct val="150000"/>
+              </a:lnSpc>
               <a:defRPr sz="2000">
                 <a:solidFill>
                   <a:srgbClr val="000000"/>
@@ -3518,26 +4118,49 @@
               </a:defRPr>
             </a:pPr>
             <a:r>
-              <a:rPr dirty="0"/>
-              <a:t>Explorer le </a:t>
-            </a:r>
-            <a:r>
-              <a:rPr dirty="0" err="1"/>
-              <a:t>potentiel</a:t>
-            </a:r>
-            <a:r>
-              <a:rPr dirty="0"/>
-              <a:t> des chatbots cloud avec Google </a:t>
-            </a:r>
-            <a:r>
-              <a:rPr dirty="0" err="1"/>
-              <a:t>Dialogflow</a:t>
-            </a:r>
-            <a:r>
-              <a:rPr dirty="0"/>
-              <a:t>.</a:t>
-            </a:r>
-            <a:endParaRPr lang="fr-CH" dirty="0"/>
+              <a:rPr lang="fr-CH" sz="2500" dirty="0"/>
+              <a:t>Exemple: Comment peut-il aider une PME</a:t>
+            </a:r>
+          </a:p>
+          <a:p>
+            <a:pPr>
+              <a:lnSpc>
+                <a:spcPct val="150000"/>
+              </a:lnSpc>
+              <a:defRPr sz="2000">
+                <a:solidFill>
+                  <a:srgbClr val="000000"/>
+                </a:solidFill>
+              </a:defRPr>
+            </a:pPr>
+            <a:r>
+              <a:rPr lang="fr-CH" sz="2500" dirty="0"/>
+              <a:t>Démonstration d’un </a:t>
+            </a:r>
+            <a:r>
+              <a:rPr lang="fr-CH" sz="2500" dirty="0" err="1"/>
+              <a:t>chatbot</a:t>
+            </a:r>
+            <a:r>
+              <a:rPr lang="fr-CH" sz="2500" dirty="0"/>
+              <a:t> créé pour l’occasion</a:t>
+            </a:r>
+          </a:p>
+          <a:p>
+            <a:pPr>
+              <a:lnSpc>
+                <a:spcPct val="150000"/>
+              </a:lnSpc>
+              <a:defRPr sz="2000">
+                <a:solidFill>
+                  <a:srgbClr val="000000"/>
+                </a:solidFill>
+              </a:defRPr>
+            </a:pPr>
+            <a:r>
+              <a:rPr lang="fr-CH" sz="2500" dirty="0"/>
+              <a:t>Discussion approfondie des coûts et des usages</a:t>
+            </a:r>
           </a:p>
         </p:txBody>
       </p:sp>
@@ -3611,9 +4234,16 @@
             <p:ph type="title"/>
           </p:nvPr>
         </p:nvSpPr>
-        <p:spPr/>
-        <p:txBody>
-          <a:bodyPr/>
+        <p:spPr>
+          <a:xfrm>
+            <a:off x="457200" y="525780"/>
+            <a:ext cx="8229600" cy="1143000"/>
+          </a:xfrm>
+        </p:spPr>
+        <p:txBody>
+          <a:bodyPr>
+            <a:normAutofit/>
+          </a:bodyPr>
           <a:lstStyle/>
           <a:p>
             <a:pPr>
@@ -3624,8 +4254,18 @@
               </a:defRPr>
             </a:pPr>
             <a:r>
-              <a:t>Qu’est-ce que Dialogflow ?</a:t>
-            </a:r>
+              <a:rPr lang="fr-CH" sz="3500" dirty="0"/>
+              <a:t>Qu’est-ce que </a:t>
+            </a:r>
+            <a:r>
+              <a:rPr lang="fr-CH" sz="3500" dirty="0" err="1"/>
+              <a:t>Dialogflow</a:t>
+            </a:r>
+            <a:r>
+              <a:rPr lang="fr-CH" sz="3500" dirty="0"/>
+              <a:t> ES ?</a:t>
+            </a:r>
+            <a:endParaRPr sz="3500" dirty="0"/>
           </a:p>
         </p:txBody>
       </p:sp>
@@ -3639,12 +4279,22 @@
             <p:ph idx="1"/>
           </p:nvPr>
         </p:nvSpPr>
-        <p:spPr/>
-        <p:txBody>
-          <a:bodyPr/>
+        <p:spPr>
+          <a:xfrm>
+            <a:off x="457200" y="2020069"/>
+            <a:ext cx="8229600" cy="3453643"/>
+          </a:xfrm>
+        </p:spPr>
+        <p:txBody>
+          <a:bodyPr>
+            <a:normAutofit/>
+          </a:bodyPr>
           <a:lstStyle/>
           <a:p>
             <a:pPr>
+              <a:lnSpc>
+                <a:spcPct val="150000"/>
+              </a:lnSpc>
               <a:defRPr sz="2000">
                 <a:solidFill>
                   <a:srgbClr val="000000"/>
@@ -3652,44 +4302,55 @@
               </a:defRPr>
             </a:pPr>
             <a:r>
-              <a:t>- Plateforme Google Cloud pour créer des chatbots</a:t>
-            </a:r>
+              <a:rPr lang="fr-FR" sz="2500" dirty="0"/>
+              <a:t>Plateforme Google Cloud pour créer des interfaces conversationnelles</a:t>
+            </a:r>
+            <a:endParaRPr lang="fr-CH" sz="2500" dirty="0"/>
           </a:p>
           <a:p>
             <a:pPr>
-              <a:defRPr sz="2000">
-                <a:solidFill>
-                  <a:srgbClr val="000000"/>
-                </a:solidFill>
-              </a:defRPr>
+              <a:lnSpc>
+                <a:spcPct val="150000"/>
+              </a:lnSpc>
+              <a:buFont typeface="Arial" panose="020B0604020202020204" pitchFamily="34" charset="0"/>
+              <a:buChar char="•"/>
             </a:pPr>
             <a:r>
-              <a:t>- Basée sur le NLP</a:t>
+              <a:rPr lang="fr-FR" sz="2500" dirty="0"/>
+              <a:t>Repose sur le NLP (traitement du langage naturel)</a:t>
             </a:r>
           </a:p>
           <a:p>
             <a:pPr>
-              <a:defRPr sz="2000">
-                <a:solidFill>
-                  <a:srgbClr val="000000"/>
-                </a:solidFill>
-              </a:defRPr>
+              <a:lnSpc>
+                <a:spcPct val="150000"/>
+              </a:lnSpc>
+              <a:buFont typeface="Arial" panose="020B0604020202020204" pitchFamily="34" charset="0"/>
+              <a:buChar char="•"/>
             </a:pPr>
             <a:r>
-              <a:t>- Version ES (standard) et CX (avancée)</a:t>
+              <a:rPr lang="fr-FR" sz="2500" dirty="0"/>
+              <a:t>Version ES (Standard) simple à prendre en main</a:t>
+            </a:r>
+          </a:p>
+          <a:p>
+            <a:pPr>
+              <a:lnSpc>
+                <a:spcPct val="150000"/>
+              </a:lnSpc>
+              <a:buFont typeface="Arial" panose="020B0604020202020204" pitchFamily="34" charset="0"/>
+              <a:buChar char="•"/>
+            </a:pPr>
+            <a:r>
+              <a:rPr lang="fr-FR" sz="2500" dirty="0"/>
+              <a:t>Gère texte et voix (Google Assistant, téléphone, etc.)</a:t>
             </a:r>
           </a:p>
         </p:txBody>
       </p:sp>
       <p:pic>
         <p:nvPicPr>
-          <p:cNvPr id="7" name="Picture 3" descr="logo_nuage.png">
-            <a:extLst>
-              <a:ext uri="{FF2B5EF4-FFF2-40B4-BE49-F238E27FC236}">
-                <a16:creationId xmlns:a16="http://schemas.microsoft.com/office/drawing/2014/main" id="{F7FE1D08-48EE-8D57-DFD3-2A7492A4927D}"/>
-              </a:ext>
-            </a:extLst>
-          </p:cNvPr>
+          <p:cNvPr id="4" name="Picture 3" descr="logo_nuage.png"/>
           <p:cNvPicPr>
             <a:picLocks noChangeAspect="1"/>
           </p:cNvPicPr>
@@ -3715,6 +4376,11 @@
         </p:spPr>
       </p:pic>
     </p:spTree>
+    <p:extLst>
+      <p:ext uri="{BB962C8B-B14F-4D97-AF65-F5344CB8AC3E}">
+        <p14:creationId xmlns:p14="http://schemas.microsoft.com/office/powerpoint/2010/main" val="3636413434"/>
+      </p:ext>
+    </p:extLst>
   </p:cSld>
   <p:clrMapOvr>
     <a:masterClrMapping/>
@@ -3757,9 +4423,16 @@
             <p:ph type="title"/>
           </p:nvPr>
         </p:nvSpPr>
-        <p:spPr/>
-        <p:txBody>
-          <a:bodyPr/>
+        <p:spPr>
+          <a:xfrm>
+            <a:off x="457200" y="525780"/>
+            <a:ext cx="8229600" cy="1143000"/>
+          </a:xfrm>
+        </p:spPr>
+        <p:txBody>
+          <a:bodyPr>
+            <a:normAutofit/>
+          </a:bodyPr>
           <a:lstStyle/>
           <a:p>
             <a:pPr>
@@ -3770,7 +4443,8 @@
               </a:defRPr>
             </a:pPr>
             <a:r>
-              <a:t>Cas d’usage PME</a:t>
+              <a:rPr lang="fr-CH" sz="3500" dirty="0"/>
+              <a:t>Comment ça marche ?</a:t>
             </a:r>
           </a:p>
         </p:txBody>
@@ -3785,12 +4459,24 @@
             <p:ph idx="1"/>
           </p:nvPr>
         </p:nvSpPr>
-        <p:spPr/>
-        <p:txBody>
-          <a:bodyPr/>
-          <a:lstStyle/>
-          <a:p>
-            <a:pPr>
+        <p:spPr>
+          <a:xfrm>
+            <a:off x="457200" y="2108258"/>
+            <a:ext cx="8229600" cy="3336197"/>
+          </a:xfrm>
+        </p:spPr>
+        <p:txBody>
+          <a:bodyPr>
+            <a:normAutofit/>
+          </a:bodyPr>
+          <a:lstStyle/>
+          <a:p>
+            <a:pPr marL="457200" indent="-457200">
+              <a:lnSpc>
+                <a:spcPct val="150000"/>
+              </a:lnSpc>
+              <a:buFont typeface="+mj-lt"/>
+              <a:buAutoNum type="arabicPeriod"/>
               <a:defRPr sz="2000">
                 <a:solidFill>
                   <a:srgbClr val="000000"/>
@@ -3798,11 +4484,17 @@
               </a:defRPr>
             </a:pPr>
             <a:r>
-              <a:t>- Service client</a:t>
-            </a:r>
-          </a:p>
-          <a:p>
-            <a:pPr>
+              <a:rPr lang="fr-FR" sz="2500" dirty="0"/>
+              <a:t>L’utilisateur écrit ou parle</a:t>
+            </a:r>
+          </a:p>
+          <a:p>
+            <a:pPr marL="457200" indent="-457200">
+              <a:lnSpc>
+                <a:spcPct val="150000"/>
+              </a:lnSpc>
+              <a:buFont typeface="+mj-lt"/>
+              <a:buAutoNum type="arabicPeriod"/>
               <a:defRPr sz="2000">
                 <a:solidFill>
                   <a:srgbClr val="000000"/>
@@ -3810,11 +4502,29 @@
               </a:defRPr>
             </a:pPr>
             <a:r>
-              <a:t>- Réservations</a:t>
-            </a:r>
-          </a:p>
-          <a:p>
-            <a:pPr>
+              <a:rPr lang="fr-FR" sz="2500" dirty="0" err="1"/>
+              <a:t>Dialogflow</a:t>
+            </a:r>
+            <a:r>
+              <a:rPr lang="fr-FR" sz="2500" dirty="0"/>
+              <a:t> détecte l’intention (</a:t>
+            </a:r>
+            <a:r>
+              <a:rPr lang="fr-FR" sz="2500" dirty="0" err="1"/>
+              <a:t>intent</a:t>
+            </a:r>
+            <a:r>
+              <a:rPr lang="fr-FR" sz="2500" dirty="0"/>
+              <a:t>)</a:t>
+            </a:r>
+          </a:p>
+          <a:p>
+            <a:pPr marL="457200" indent="-457200">
+              <a:lnSpc>
+                <a:spcPct val="150000"/>
+              </a:lnSpc>
+              <a:buFont typeface="+mj-lt"/>
+              <a:buAutoNum type="arabicPeriod"/>
               <a:defRPr sz="2000">
                 <a:solidFill>
                   <a:srgbClr val="000000"/>
@@ -3822,11 +4532,22 @@
               </a:defRPr>
             </a:pPr>
             <a:r>
-              <a:t>- FAQ automatisée</a:t>
-            </a:r>
-          </a:p>
-          <a:p>
-            <a:pPr>
+              <a:rPr lang="fr-FR" sz="2500" dirty="0"/>
+              <a:t>Une réponse est renvoyée automatiquement ou via un </a:t>
+            </a:r>
+            <a:r>
+              <a:rPr lang="fr-FR" sz="2500" dirty="0" err="1"/>
+              <a:t>webhook</a:t>
+            </a:r>
+            <a:endParaRPr lang="fr-FR" sz="2500" dirty="0"/>
+          </a:p>
+          <a:p>
+            <a:pPr marL="457200" indent="-457200">
+              <a:lnSpc>
+                <a:spcPct val="150000"/>
+              </a:lnSpc>
+              <a:buFont typeface="+mj-lt"/>
+              <a:buAutoNum type="arabicPeriod"/>
               <a:defRPr sz="2000">
                 <a:solidFill>
                   <a:srgbClr val="000000"/>
@@ -3834,20 +4555,15 @@
               </a:defRPr>
             </a:pPr>
             <a:r>
-              <a:t>- Assistance RH ou IT</a:t>
+              <a:rPr lang="fr-FR" sz="2500" dirty="0"/>
+              <a:t>L’utilisateur reçoit la réponse</a:t>
             </a:r>
           </a:p>
         </p:txBody>
       </p:sp>
       <p:pic>
         <p:nvPicPr>
-          <p:cNvPr id="7" name="Picture 3" descr="logo_nuage.png">
-            <a:extLst>
-              <a:ext uri="{FF2B5EF4-FFF2-40B4-BE49-F238E27FC236}">
-                <a16:creationId xmlns:a16="http://schemas.microsoft.com/office/drawing/2014/main" id="{131606DA-7EC9-D63F-577D-D3CE525571F3}"/>
-              </a:ext>
-            </a:extLst>
-          </p:cNvPr>
+          <p:cNvPr id="4" name="Picture 3" descr="logo_nuage.png"/>
           <p:cNvPicPr>
             <a:picLocks noChangeAspect="1"/>
           </p:cNvPicPr>
@@ -3873,6 +4589,11 @@
         </p:spPr>
       </p:pic>
     </p:spTree>
+    <p:extLst>
+      <p:ext uri="{BB962C8B-B14F-4D97-AF65-F5344CB8AC3E}">
+        <p14:creationId xmlns:p14="http://schemas.microsoft.com/office/powerpoint/2010/main" val="786170842"/>
+      </p:ext>
+    </p:extLst>
   </p:cSld>
   <p:clrMapOvr>
     <a:masterClrMapping/>
@@ -3905,95 +4626,9 @@
           <a:chExt cx="0" cy="0"/>
         </a:xfrm>
       </p:grpSpPr>
-      <p:sp>
-        <p:nvSpPr>
-          <p:cNvPr id="2" name="Title 1"/>
-          <p:cNvSpPr>
-            <a:spLocks noGrp="1"/>
-          </p:cNvSpPr>
-          <p:nvPr>
-            <p:ph type="title"/>
-          </p:nvPr>
-        </p:nvSpPr>
-        <p:spPr/>
-        <p:txBody>
-          <a:bodyPr/>
-          <a:lstStyle/>
-          <a:p>
-            <a:pPr>
-              <a:defRPr sz="3200" b="1">
-                <a:solidFill>
-                  <a:srgbClr val="000000"/>
-                </a:solidFill>
-              </a:defRPr>
-            </a:pPr>
-            <a:r>
-              <a:t>Démo : Chatbot FAQ</a:t>
-            </a:r>
-          </a:p>
-        </p:txBody>
-      </p:sp>
-      <p:sp>
-        <p:nvSpPr>
-          <p:cNvPr id="3" name="Content Placeholder 2"/>
-          <p:cNvSpPr>
-            <a:spLocks noGrp="1"/>
-          </p:cNvSpPr>
-          <p:nvPr>
-            <p:ph idx="1"/>
-          </p:nvPr>
-        </p:nvSpPr>
-        <p:spPr/>
-        <p:txBody>
-          <a:bodyPr/>
-          <a:lstStyle/>
-          <a:p>
-            <a:pPr>
-              <a:defRPr sz="2000">
-                <a:solidFill>
-                  <a:srgbClr val="000000"/>
-                </a:solidFill>
-              </a:defRPr>
-            </a:pPr>
-            <a:r>
-              <a:t>- 3 intents : horaires, disponibilité, contact</a:t>
-            </a:r>
-          </a:p>
-          <a:p>
-            <a:pPr>
-              <a:defRPr sz="2000">
-                <a:solidFill>
-                  <a:srgbClr val="000000"/>
-                </a:solidFill>
-              </a:defRPr>
-            </a:pPr>
-            <a:r>
-              <a:t>- Créé dans Dialogflow ES</a:t>
-            </a:r>
-          </a:p>
-          <a:p>
-            <a:pPr>
-              <a:defRPr sz="2000">
-                <a:solidFill>
-                  <a:srgbClr val="000000"/>
-                </a:solidFill>
-              </a:defRPr>
-            </a:pPr>
-            <a:r>
-              <a:t>- Réponses personnalisées simples</a:t>
-            </a:r>
-          </a:p>
-        </p:txBody>
-      </p:sp>
       <p:pic>
         <p:nvPicPr>
-          <p:cNvPr id="7" name="Picture 3" descr="logo_nuage.png">
-            <a:extLst>
-              <a:ext uri="{FF2B5EF4-FFF2-40B4-BE49-F238E27FC236}">
-                <a16:creationId xmlns:a16="http://schemas.microsoft.com/office/drawing/2014/main" id="{10537CFF-06C7-2342-3091-ECEF17C1858F}"/>
-              </a:ext>
-            </a:extLst>
-          </p:cNvPr>
+          <p:cNvPr id="4" name="Picture 3" descr="logo_nuage.png"/>
           <p:cNvPicPr>
             <a:picLocks noChangeAspect="1"/>
           </p:cNvPicPr>
@@ -4018,7 +4653,217 @@
           </a:effectLst>
         </p:spPr>
       </p:pic>
+      <p:sp>
+        <p:nvSpPr>
+          <p:cNvPr id="2" name="Title 1"/>
+          <p:cNvSpPr>
+            <a:spLocks noGrp="1"/>
+          </p:cNvSpPr>
+          <p:nvPr>
+            <p:ph type="title"/>
+          </p:nvPr>
+        </p:nvSpPr>
+        <p:spPr>
+          <a:xfrm>
+            <a:off x="457200" y="525780"/>
+            <a:ext cx="8229600" cy="1143000"/>
+          </a:xfrm>
+        </p:spPr>
+        <p:txBody>
+          <a:bodyPr>
+            <a:normAutofit fontScale="90000"/>
+          </a:bodyPr>
+          <a:lstStyle/>
+          <a:p>
+            <a:pPr>
+              <a:defRPr sz="3200" b="1">
+                <a:solidFill>
+                  <a:srgbClr val="000000"/>
+                </a:solidFill>
+              </a:defRPr>
+            </a:pPr>
+            <a:r>
+              <a:rPr lang="fr-FR" sz="3500" dirty="0"/>
+              <a:t>Comment créer un </a:t>
+            </a:r>
+            <a:r>
+              <a:rPr lang="fr-FR" sz="3500" dirty="0" err="1"/>
+              <a:t>chatbot</a:t>
+            </a:r>
+            <a:r>
+              <a:rPr lang="fr-FR" sz="3500" dirty="0"/>
+              <a:t> avec </a:t>
+            </a:r>
+            <a:r>
+              <a:rPr lang="fr-FR" sz="3500" dirty="0" err="1"/>
+              <a:t>Dialogflow</a:t>
+            </a:r>
+            <a:r>
+              <a:rPr lang="fr-FR" sz="3500" dirty="0"/>
+              <a:t> ?</a:t>
+            </a:r>
+            <a:endParaRPr lang="fr-CH" sz="3500" dirty="0"/>
+          </a:p>
+        </p:txBody>
+      </p:sp>
+      <p:sp>
+        <p:nvSpPr>
+          <p:cNvPr id="3" name="Content Placeholder 2"/>
+          <p:cNvSpPr>
+            <a:spLocks noGrp="1"/>
+          </p:cNvSpPr>
+          <p:nvPr>
+            <p:ph idx="1"/>
+          </p:nvPr>
+        </p:nvSpPr>
+        <p:spPr>
+          <a:xfrm>
+            <a:off x="457200" y="1974033"/>
+            <a:ext cx="8229600" cy="4233819"/>
+          </a:xfrm>
+        </p:spPr>
+        <p:txBody>
+          <a:bodyPr>
+            <a:normAutofit/>
+          </a:bodyPr>
+          <a:lstStyle/>
+          <a:p>
+            <a:pPr marL="457200" indent="-457200">
+              <a:lnSpc>
+                <a:spcPct val="150000"/>
+              </a:lnSpc>
+              <a:buFont typeface="+mj-lt"/>
+              <a:buAutoNum type="arabicPeriod"/>
+              <a:defRPr sz="2000">
+                <a:solidFill>
+                  <a:srgbClr val="000000"/>
+                </a:solidFill>
+              </a:defRPr>
+            </a:pPr>
+            <a:r>
+              <a:rPr lang="fr-FR" sz="2500" dirty="0"/>
+              <a:t>Créer un agent</a:t>
+            </a:r>
+          </a:p>
+          <a:p>
+            <a:pPr marL="457200" indent="-457200">
+              <a:lnSpc>
+                <a:spcPct val="150000"/>
+              </a:lnSpc>
+              <a:buFont typeface="+mj-lt"/>
+              <a:buAutoNum type="arabicPeriod"/>
+              <a:defRPr sz="2000">
+                <a:solidFill>
+                  <a:srgbClr val="000000"/>
+                </a:solidFill>
+              </a:defRPr>
+            </a:pPr>
+            <a:r>
+              <a:rPr lang="fr-FR" sz="2500" dirty="0"/>
+              <a:t>Ajouter des </a:t>
+            </a:r>
+            <a:r>
+              <a:rPr lang="fr-FR" sz="2500" dirty="0" err="1"/>
+              <a:t>intents</a:t>
+            </a:r>
+            <a:r>
+              <a:rPr lang="fr-FR" sz="2500" dirty="0"/>
+              <a:t> (ex : horaires, contact…)</a:t>
+            </a:r>
+          </a:p>
+          <a:p>
+            <a:pPr marL="457200" indent="-457200">
+              <a:lnSpc>
+                <a:spcPct val="150000"/>
+              </a:lnSpc>
+              <a:buFont typeface="+mj-lt"/>
+              <a:buAutoNum type="arabicPeriod"/>
+              <a:defRPr sz="2000">
+                <a:solidFill>
+                  <a:srgbClr val="000000"/>
+                </a:solidFill>
+              </a:defRPr>
+            </a:pPr>
+            <a:r>
+              <a:rPr lang="fr-FR" sz="2500" dirty="0"/>
+              <a:t>Définir les phrases que l’utilisateur peut dire</a:t>
+            </a:r>
+          </a:p>
+          <a:p>
+            <a:pPr marL="457200" indent="-457200">
+              <a:lnSpc>
+                <a:spcPct val="150000"/>
+              </a:lnSpc>
+              <a:buFont typeface="+mj-lt"/>
+              <a:buAutoNum type="arabicPeriod"/>
+              <a:defRPr sz="2000">
+                <a:solidFill>
+                  <a:srgbClr val="000000"/>
+                </a:solidFill>
+              </a:defRPr>
+            </a:pPr>
+            <a:r>
+              <a:rPr lang="fr-FR" sz="2500" dirty="0"/>
+              <a:t>Ajouter une réponse pour chaque </a:t>
+            </a:r>
+            <a:r>
+              <a:rPr lang="fr-FR" sz="2500" dirty="0" err="1"/>
+              <a:t>intent</a:t>
+            </a:r>
+            <a:endParaRPr lang="fr-FR" sz="2500" dirty="0"/>
+          </a:p>
+          <a:p>
+            <a:pPr marL="457200" indent="-457200">
+              <a:lnSpc>
+                <a:spcPct val="150000"/>
+              </a:lnSpc>
+              <a:buFont typeface="+mj-lt"/>
+              <a:buAutoNum type="arabicPeriod"/>
+              <a:defRPr sz="2000">
+                <a:solidFill>
+                  <a:srgbClr val="000000"/>
+                </a:solidFill>
+              </a:defRPr>
+            </a:pPr>
+            <a:r>
+              <a:rPr lang="fr-FR" sz="2500" dirty="0"/>
+              <a:t>Tester le </a:t>
+            </a:r>
+            <a:r>
+              <a:rPr lang="fr-FR" sz="2500" dirty="0" err="1"/>
+              <a:t>chatbot</a:t>
+            </a:r>
+            <a:r>
+              <a:rPr lang="fr-FR" sz="2500" dirty="0"/>
+              <a:t> dans la console</a:t>
+            </a:r>
+          </a:p>
+          <a:p>
+            <a:pPr marL="457200" indent="-457200">
+              <a:lnSpc>
+                <a:spcPct val="150000"/>
+              </a:lnSpc>
+              <a:buFont typeface="+mj-lt"/>
+              <a:buAutoNum type="arabicPeriod"/>
+              <a:defRPr sz="2000">
+                <a:solidFill>
+                  <a:srgbClr val="000000"/>
+                </a:solidFill>
+              </a:defRPr>
+            </a:pPr>
+            <a:r>
+              <a:rPr lang="fr-FR" sz="2500" dirty="0"/>
+              <a:t>Intégrer dans une page web ou app</a:t>
+            </a:r>
+          </a:p>
+        </p:txBody>
+      </p:sp>
     </p:spTree>
+    <p:extLst>
+      <p:ext uri="{BB962C8B-B14F-4D97-AF65-F5344CB8AC3E}">
+        <p14:creationId xmlns:p14="http://schemas.microsoft.com/office/powerpoint/2010/main" val="2971834302"/>
+      </p:ext>
+    </p:extLst>
   </p:cSld>
   <p:clrMapOvr>
     <a:masterClrMapping/>
@@ -4061,9 +4906,16 @@
             <p:ph type="title"/>
           </p:nvPr>
         </p:nvSpPr>
-        <p:spPr/>
-        <p:txBody>
-          <a:bodyPr/>
+        <p:spPr>
+          <a:xfrm>
+            <a:off x="457200" y="525780"/>
+            <a:ext cx="8229600" cy="1143000"/>
+          </a:xfrm>
+        </p:spPr>
+        <p:txBody>
+          <a:bodyPr>
+            <a:normAutofit/>
+          </a:bodyPr>
           <a:lstStyle/>
           <a:p>
             <a:pPr>
@@ -4074,8 +4926,10 @@
               </a:defRPr>
             </a:pPr>
             <a:r>
-              <a:t>Architecture simplifiée</a:t>
-            </a:r>
+              <a:rPr lang="fr-CH" sz="3500" dirty="0"/>
+              <a:t>Exemple PME</a:t>
+            </a:r>
+            <a:endParaRPr sz="3500" dirty="0"/>
           </a:p>
         </p:txBody>
       </p:sp>
@@ -4089,12 +4943,22 @@
             <p:ph idx="1"/>
           </p:nvPr>
         </p:nvSpPr>
-        <p:spPr/>
-        <p:txBody>
-          <a:bodyPr/>
+        <p:spPr>
+          <a:xfrm>
+            <a:off x="457200" y="3030039"/>
+            <a:ext cx="8229600" cy="2909931"/>
+          </a:xfrm>
+        </p:spPr>
+        <p:txBody>
+          <a:bodyPr>
+            <a:normAutofit/>
+          </a:bodyPr>
           <a:lstStyle/>
           <a:p>
             <a:pPr>
+              <a:lnSpc>
+                <a:spcPct val="150000"/>
+              </a:lnSpc>
               <a:defRPr sz="2000">
                 <a:solidFill>
                   <a:srgbClr val="000000"/>
@@ -4102,11 +4966,15 @@
               </a:defRPr>
             </a:pPr>
             <a:r>
-              <a:t>- Agent Dialogflow → Webhook facultatif</a:t>
+              <a:rPr lang="fr-CH" sz="2500" dirty="0"/>
+              <a:t>Réduire la charge du support client</a:t>
             </a:r>
           </a:p>
           <a:p>
             <a:pPr>
+              <a:lnSpc>
+                <a:spcPct val="150000"/>
+              </a:lnSpc>
               <a:defRPr sz="2000">
                 <a:solidFill>
                   <a:srgbClr val="000000"/>
@@ -4114,11 +4982,15 @@
               </a:defRPr>
             </a:pPr>
             <a:r>
-              <a:t>- Intégration via iframe dans site PME</a:t>
+              <a:rPr lang="fr-CH" sz="2500" dirty="0"/>
+              <a:t>Offrir une réponse immédiate 24/7</a:t>
             </a:r>
           </a:p>
           <a:p>
             <a:pPr>
+              <a:lnSpc>
+                <a:spcPct val="150000"/>
+              </a:lnSpc>
               <a:defRPr sz="2000">
                 <a:solidFill>
                   <a:srgbClr val="000000"/>
@@ -4126,20 +4998,15 @@
               </a:defRPr>
             </a:pPr>
             <a:r>
-              <a:t>- Backend possible via Firebase</a:t>
+              <a:rPr lang="fr-CH" sz="2500" dirty="0"/>
+              <a:t>Répondre aux demandes simples et/ou prévisibles automatiquement</a:t>
             </a:r>
           </a:p>
         </p:txBody>
       </p:sp>
       <p:pic>
         <p:nvPicPr>
-          <p:cNvPr id="7" name="Picture 3" descr="logo_nuage.png">
-            <a:extLst>
-              <a:ext uri="{FF2B5EF4-FFF2-40B4-BE49-F238E27FC236}">
-                <a16:creationId xmlns:a16="http://schemas.microsoft.com/office/drawing/2014/main" id="{4C1E664F-4E55-018C-A87F-898EF34C1F21}"/>
-              </a:ext>
-            </a:extLst>
-          </p:cNvPr>
+          <p:cNvPr id="4" name="Picture 3" descr="logo_nuage.png"/>
           <p:cNvPicPr>
             <a:picLocks noChangeAspect="1"/>
           </p:cNvPicPr>
@@ -4164,7 +5031,251 @@
           </a:effectLst>
         </p:spPr>
       </p:pic>
+      <p:sp>
+        <p:nvSpPr>
+          <p:cNvPr id="5" name="Content Placeholder 2">
+            <a:extLst>
+              <a:ext uri="{FF2B5EF4-FFF2-40B4-BE49-F238E27FC236}">
+                <a16:creationId xmlns:a16="http://schemas.microsoft.com/office/drawing/2014/main" id="{8C127A47-634A-8F26-82AE-BB91DCA3A5CF}"/>
+              </a:ext>
+            </a:extLst>
+          </p:cNvPr>
+          <p:cNvSpPr txBox="1">
+            <a:spLocks/>
+          </p:cNvSpPr>
+          <p:nvPr/>
+        </p:nvSpPr>
+        <p:spPr>
+          <a:xfrm>
+            <a:off x="457200" y="1717539"/>
+            <a:ext cx="8229600" cy="1021011"/>
+          </a:xfrm>
+          <a:prstGeom prst="rect">
+            <a:avLst/>
+          </a:prstGeom>
+        </p:spPr>
+        <p:txBody>
+          <a:bodyPr vert="horz" lIns="91440" tIns="45720" rIns="91440" bIns="45720" rtlCol="0">
+            <a:normAutofit/>
+          </a:bodyPr>
+          <a:lstStyle>
+            <a:lvl1pPr marL="342900" indent="-342900" algn="l" defTabSz="457200" rtl="0" eaLnBrk="1" latinLnBrk="0" hangingPunct="1">
+              <a:spcBef>
+                <a:spcPct val="20000"/>
+              </a:spcBef>
+              <a:buFont typeface="Arial"/>
+              <a:buChar char="•"/>
+              <a:defRPr sz="3200" kern="1200">
+                <a:solidFill>
+                  <a:schemeClr val="tx1"/>
+                </a:solidFill>
+                <a:latin typeface="+mn-lt"/>
+                <a:ea typeface="+mn-ea"/>
+                <a:cs typeface="+mn-cs"/>
+              </a:defRPr>
+            </a:lvl1pPr>
+            <a:lvl2pPr marL="742950" indent="-285750" algn="l" defTabSz="457200" rtl="0" eaLnBrk="1" latinLnBrk="0" hangingPunct="1">
+              <a:spcBef>
+                <a:spcPct val="20000"/>
+              </a:spcBef>
+              <a:buFont typeface="Arial"/>
+              <a:buChar char="–"/>
+              <a:defRPr sz="2800" kern="1200">
+                <a:solidFill>
+                  <a:schemeClr val="tx1"/>
+                </a:solidFill>
+                <a:latin typeface="+mn-lt"/>
+                <a:ea typeface="+mn-ea"/>
+                <a:cs typeface="+mn-cs"/>
+              </a:defRPr>
+            </a:lvl2pPr>
+            <a:lvl3pPr marL="1143000" indent="-228600" algn="l" defTabSz="457200" rtl="0" eaLnBrk="1" latinLnBrk="0" hangingPunct="1">
+              <a:spcBef>
+                <a:spcPct val="20000"/>
+              </a:spcBef>
+              <a:buFont typeface="Arial"/>
+              <a:buChar char="•"/>
+              <a:defRPr sz="2400" kern="1200">
+                <a:solidFill>
+                  <a:schemeClr val="tx1"/>
+                </a:solidFill>
+                <a:latin typeface="+mn-lt"/>
+                <a:ea typeface="+mn-ea"/>
+                <a:cs typeface="+mn-cs"/>
+              </a:defRPr>
+            </a:lvl3pPr>
+            <a:lvl4pPr marL="1600200" indent="-228600" algn="l" defTabSz="457200" rtl="0" eaLnBrk="1" latinLnBrk="0" hangingPunct="1">
+              <a:spcBef>
+                <a:spcPct val="20000"/>
+              </a:spcBef>
+              <a:buFont typeface="Arial"/>
+              <a:buChar char="–"/>
+              <a:defRPr sz="2000" kern="1200">
+                <a:solidFill>
+                  <a:schemeClr val="tx1"/>
+                </a:solidFill>
+                <a:latin typeface="+mn-lt"/>
+                <a:ea typeface="+mn-ea"/>
+                <a:cs typeface="+mn-cs"/>
+              </a:defRPr>
+            </a:lvl4pPr>
+            <a:lvl5pPr marL="2057400" indent="-228600" algn="l" defTabSz="457200" rtl="0" eaLnBrk="1" latinLnBrk="0" hangingPunct="1">
+              <a:spcBef>
+                <a:spcPct val="20000"/>
+              </a:spcBef>
+              <a:buFont typeface="Arial"/>
+              <a:buChar char="»"/>
+              <a:defRPr sz="2000" kern="1200">
+                <a:solidFill>
+                  <a:schemeClr val="tx1"/>
+                </a:solidFill>
+                <a:latin typeface="+mn-lt"/>
+                <a:ea typeface="+mn-ea"/>
+                <a:cs typeface="+mn-cs"/>
+              </a:defRPr>
+            </a:lvl5pPr>
+            <a:lvl6pPr marL="2514600" indent="-228600" algn="l" defTabSz="457200" rtl="0" eaLnBrk="1" latinLnBrk="0" hangingPunct="1">
+              <a:spcBef>
+                <a:spcPct val="20000"/>
+              </a:spcBef>
+              <a:buFont typeface="Arial"/>
+              <a:buChar char="•"/>
+              <a:defRPr sz="2000" kern="1200">
+                <a:solidFill>
+                  <a:schemeClr val="tx1"/>
+                </a:solidFill>
+                <a:latin typeface="+mn-lt"/>
+                <a:ea typeface="+mn-ea"/>
+                <a:cs typeface="+mn-cs"/>
+              </a:defRPr>
+            </a:lvl6pPr>
+            <a:lvl7pPr marL="2971800" indent="-228600" algn="l" defTabSz="457200" rtl="0" eaLnBrk="1" latinLnBrk="0" hangingPunct="1">
+              <a:spcBef>
+                <a:spcPct val="20000"/>
+              </a:spcBef>
+              <a:buFont typeface="Arial"/>
+              <a:buChar char="•"/>
+              <a:defRPr sz="2000" kern="1200">
+                <a:solidFill>
+                  <a:schemeClr val="tx1"/>
+                </a:solidFill>
+                <a:latin typeface="+mn-lt"/>
+                <a:ea typeface="+mn-ea"/>
+                <a:cs typeface="+mn-cs"/>
+              </a:defRPr>
+            </a:lvl7pPr>
+            <a:lvl8pPr marL="3429000" indent="-228600" algn="l" defTabSz="457200" rtl="0" eaLnBrk="1" latinLnBrk="0" hangingPunct="1">
+              <a:spcBef>
+                <a:spcPct val="20000"/>
+              </a:spcBef>
+              <a:buFont typeface="Arial"/>
+              <a:buChar char="•"/>
+              <a:defRPr sz="2000" kern="1200">
+                <a:solidFill>
+                  <a:schemeClr val="tx1"/>
+                </a:solidFill>
+                <a:latin typeface="+mn-lt"/>
+                <a:ea typeface="+mn-ea"/>
+                <a:cs typeface="+mn-cs"/>
+              </a:defRPr>
+            </a:lvl8pPr>
+            <a:lvl9pPr marL="3886200" indent="-228600" algn="l" defTabSz="457200" rtl="0" eaLnBrk="1" latinLnBrk="0" hangingPunct="1">
+              <a:spcBef>
+                <a:spcPct val="20000"/>
+              </a:spcBef>
+              <a:buFont typeface="Arial"/>
+              <a:buChar char="•"/>
+              <a:defRPr sz="2000" kern="1200">
+                <a:solidFill>
+                  <a:schemeClr val="tx1"/>
+                </a:solidFill>
+                <a:latin typeface="+mn-lt"/>
+                <a:ea typeface="+mn-ea"/>
+                <a:cs typeface="+mn-cs"/>
+              </a:defRPr>
+            </a:lvl9pPr>
+          </a:lstStyle>
+          <a:p>
+            <a:pPr>
+              <a:lnSpc>
+                <a:spcPct val="150000"/>
+              </a:lnSpc>
+              <a:defRPr sz="2000">
+                <a:solidFill>
+                  <a:srgbClr val="000000"/>
+                </a:solidFill>
+              </a:defRPr>
+            </a:pPr>
+            <a:endParaRPr lang="fr-CH" sz="2500" dirty="0">
+              <a:solidFill>
+                <a:srgbClr val="000000"/>
+              </a:solidFill>
+            </a:endParaRPr>
+          </a:p>
+        </p:txBody>
+      </p:sp>
+      <p:sp>
+        <p:nvSpPr>
+          <p:cNvPr id="7" name="ZoneTexte 6">
+            <a:extLst>
+              <a:ext uri="{FF2B5EF4-FFF2-40B4-BE49-F238E27FC236}">
+                <a16:creationId xmlns:a16="http://schemas.microsoft.com/office/drawing/2014/main" id="{7A7DD377-6A53-C556-5FD5-70BC48F86189}"/>
+              </a:ext>
+            </a:extLst>
+          </p:cNvPr>
+          <p:cNvSpPr txBox="1"/>
+          <p:nvPr/>
+        </p:nvSpPr>
+        <p:spPr>
+          <a:xfrm>
+            <a:off x="457200" y="1733791"/>
+            <a:ext cx="8166683" cy="1074653"/>
+          </a:xfrm>
+          <a:prstGeom prst="rect">
+            <a:avLst/>
+          </a:prstGeom>
+          <a:noFill/>
+        </p:spPr>
+        <p:txBody>
+          <a:bodyPr wrap="square">
+            <a:spAutoFit/>
+          </a:bodyPr>
+          <a:lstStyle/>
+          <a:p>
+            <a:pPr>
+              <a:lnSpc>
+                <a:spcPts val="4000"/>
+              </a:lnSpc>
+            </a:pPr>
+            <a:r>
+              <a:rPr lang="fr-FR" sz="2500" dirty="0"/>
+              <a:t>Notre PME souhaite moderniser sa relation client.</a:t>
+            </a:r>
+            <a:br>
+              <a:rPr lang="fr-FR" sz="2500" dirty="0"/>
+            </a:br>
+            <a:r>
+              <a:rPr lang="fr-FR" sz="2500" dirty="0"/>
+              <a:t>Nous explorons les </a:t>
+            </a:r>
+            <a:r>
+              <a:rPr lang="fr-FR" sz="2500" dirty="0" err="1"/>
+              <a:t>chatbots</a:t>
+            </a:r>
+            <a:r>
+              <a:rPr lang="fr-FR" sz="2500" dirty="0"/>
+              <a:t> cloud pour :</a:t>
+            </a:r>
+            <a:endParaRPr lang="fr-CH" sz="2500" dirty="0"/>
+          </a:p>
+        </p:txBody>
+      </p:sp>
     </p:spTree>
+    <p:extLst>
+      <p:ext uri="{BB962C8B-B14F-4D97-AF65-F5344CB8AC3E}">
+        <p14:creationId xmlns:p14="http://schemas.microsoft.com/office/powerpoint/2010/main" val="3107858722"/>
+      </p:ext>
+    </p:extLst>
   </p:cSld>
   <p:clrMapOvr>
     <a:masterClrMapping/>
@@ -4197,95 +5308,9 @@
           <a:chExt cx="0" cy="0"/>
         </a:xfrm>
       </p:grpSpPr>
-      <p:sp>
-        <p:nvSpPr>
-          <p:cNvPr id="2" name="Title 1"/>
-          <p:cNvSpPr>
-            <a:spLocks noGrp="1"/>
-          </p:cNvSpPr>
-          <p:nvPr>
-            <p:ph type="title"/>
-          </p:nvPr>
-        </p:nvSpPr>
-        <p:spPr/>
-        <p:txBody>
-          <a:bodyPr/>
-          <a:lstStyle/>
-          <a:p>
-            <a:pPr>
-              <a:defRPr sz="3200" b="1">
-                <a:solidFill>
-                  <a:srgbClr val="000000"/>
-                </a:solidFill>
-              </a:defRPr>
-            </a:pPr>
-            <a:r>
-              <a:t>Coût estimé</a:t>
-            </a:r>
-          </a:p>
-        </p:txBody>
-      </p:sp>
-      <p:sp>
-        <p:nvSpPr>
-          <p:cNvPr id="3" name="Content Placeholder 2"/>
-          <p:cNvSpPr>
-            <a:spLocks noGrp="1"/>
-          </p:cNvSpPr>
-          <p:nvPr>
-            <p:ph idx="1"/>
-          </p:nvPr>
-        </p:nvSpPr>
-        <p:spPr/>
-        <p:txBody>
-          <a:bodyPr/>
-          <a:lstStyle/>
-          <a:p>
-            <a:pPr>
-              <a:defRPr sz="2000">
-                <a:solidFill>
-                  <a:srgbClr val="000000"/>
-                </a:solidFill>
-              </a:defRPr>
-            </a:pPr>
-            <a:r>
-              <a:t>- 1 000 requêtes/jour gratuites</a:t>
-            </a:r>
-          </a:p>
-          <a:p>
-            <a:pPr>
-              <a:defRPr sz="2000">
-                <a:solidFill>
-                  <a:srgbClr val="000000"/>
-                </a:solidFill>
-              </a:defRPr>
-            </a:pPr>
-            <a:r>
-              <a:t>- 0.002 USD / requête au-delà</a:t>
-            </a:r>
-          </a:p>
-          <a:p>
-            <a:pPr>
-              <a:defRPr sz="2000">
-                <a:solidFill>
-                  <a:srgbClr val="000000"/>
-                </a:solidFill>
-              </a:defRPr>
-            </a:pPr>
-            <a:r>
-              <a:t>- Exemple : 60 000 requêtes = ~60 USD / mois</a:t>
-            </a:r>
-          </a:p>
-        </p:txBody>
-      </p:sp>
       <p:pic>
         <p:nvPicPr>
-          <p:cNvPr id="7" name="Picture 3" descr="logo_nuage.png">
-            <a:extLst>
-              <a:ext uri="{FF2B5EF4-FFF2-40B4-BE49-F238E27FC236}">
-                <a16:creationId xmlns:a16="http://schemas.microsoft.com/office/drawing/2014/main" id="{DC88F714-E874-AA36-B376-310FCAF849E0}"/>
-              </a:ext>
-            </a:extLst>
-          </p:cNvPr>
+          <p:cNvPr id="4" name="Picture 3" descr="logo_nuage.png"/>
           <p:cNvPicPr>
             <a:picLocks noChangeAspect="1"/>
           </p:cNvPicPr>
@@ -4310,7 +5335,162 @@
           </a:effectLst>
         </p:spPr>
       </p:pic>
+      <p:sp>
+        <p:nvSpPr>
+          <p:cNvPr id="2" name="Title 1"/>
+          <p:cNvSpPr>
+            <a:spLocks noGrp="1"/>
+          </p:cNvSpPr>
+          <p:nvPr>
+            <p:ph type="title"/>
+          </p:nvPr>
+        </p:nvSpPr>
+        <p:spPr>
+          <a:xfrm>
+            <a:off x="457200" y="525780"/>
+            <a:ext cx="8229600" cy="1143000"/>
+          </a:xfrm>
+        </p:spPr>
+        <p:txBody>
+          <a:bodyPr>
+            <a:normAutofit/>
+          </a:bodyPr>
+          <a:lstStyle/>
+          <a:p>
+            <a:pPr>
+              <a:defRPr sz="3200" b="1">
+                <a:solidFill>
+                  <a:srgbClr val="000000"/>
+                </a:solidFill>
+              </a:defRPr>
+            </a:pPr>
+            <a:r>
+              <a:rPr lang="fr-FR" sz="3500" dirty="0"/>
+              <a:t>Cas d’usage pour une PME</a:t>
+            </a:r>
+            <a:endParaRPr lang="fr-CH" sz="3500" dirty="0"/>
+          </a:p>
+        </p:txBody>
+      </p:sp>
+      <p:sp>
+        <p:nvSpPr>
+          <p:cNvPr id="3" name="Content Placeholder 2"/>
+          <p:cNvSpPr>
+            <a:spLocks noGrp="1"/>
+          </p:cNvSpPr>
+          <p:nvPr>
+            <p:ph idx="1"/>
+          </p:nvPr>
+        </p:nvSpPr>
+        <p:spPr>
+          <a:xfrm>
+            <a:off x="457200" y="1974033"/>
+            <a:ext cx="8229600" cy="4233819"/>
+          </a:xfrm>
+        </p:spPr>
+        <p:txBody>
+          <a:bodyPr>
+            <a:normAutofit/>
+          </a:bodyPr>
+          <a:lstStyle/>
+          <a:p>
+            <a:pPr>
+              <a:lnSpc>
+                <a:spcPct val="150000"/>
+              </a:lnSpc>
+              <a:buFont typeface="Arial" panose="020B0604020202020204" pitchFamily="34" charset="0"/>
+              <a:buChar char="•"/>
+              <a:defRPr sz="2000">
+                <a:solidFill>
+                  <a:srgbClr val="000000"/>
+                </a:solidFill>
+              </a:defRPr>
+            </a:pPr>
+            <a:r>
+              <a:rPr lang="fr-FR" sz="2500" dirty="0"/>
+              <a:t>Service client automatisé</a:t>
+            </a:r>
+          </a:p>
+          <a:p>
+            <a:pPr>
+              <a:lnSpc>
+                <a:spcPct val="150000"/>
+              </a:lnSpc>
+              <a:buFont typeface="Arial" panose="020B0604020202020204" pitchFamily="34" charset="0"/>
+              <a:buChar char="•"/>
+              <a:defRPr sz="2000">
+                <a:solidFill>
+                  <a:srgbClr val="000000"/>
+                </a:solidFill>
+              </a:defRPr>
+            </a:pPr>
+            <a:r>
+              <a:rPr lang="fr-FR" sz="2500" dirty="0"/>
+              <a:t>FAQ dynamique</a:t>
+            </a:r>
+          </a:p>
+          <a:p>
+            <a:pPr>
+              <a:lnSpc>
+                <a:spcPct val="150000"/>
+              </a:lnSpc>
+              <a:buFont typeface="Arial" panose="020B0604020202020204" pitchFamily="34" charset="0"/>
+              <a:buChar char="•"/>
+              <a:defRPr sz="2000">
+                <a:solidFill>
+                  <a:srgbClr val="000000"/>
+                </a:solidFill>
+              </a:defRPr>
+            </a:pPr>
+            <a:r>
+              <a:rPr lang="fr-FR" sz="2500" dirty="0"/>
+              <a:t>Prise de rendez-vous ou de commandes</a:t>
+            </a:r>
+          </a:p>
+          <a:p>
+            <a:pPr>
+              <a:lnSpc>
+                <a:spcPct val="150000"/>
+              </a:lnSpc>
+              <a:buFont typeface="Arial" panose="020B0604020202020204" pitchFamily="34" charset="0"/>
+              <a:buChar char="•"/>
+              <a:defRPr sz="2000">
+                <a:solidFill>
+                  <a:srgbClr val="000000"/>
+                </a:solidFill>
+              </a:defRPr>
+            </a:pPr>
+            <a:r>
+              <a:rPr lang="fr-FR" sz="2500" dirty="0"/>
+              <a:t>Assistance interne (RH, IT)</a:t>
+            </a:r>
+          </a:p>
+          <a:p>
+            <a:pPr>
+              <a:lnSpc>
+                <a:spcPct val="150000"/>
+              </a:lnSpc>
+              <a:buFont typeface="Arial" panose="020B0604020202020204" pitchFamily="34" charset="0"/>
+              <a:buChar char="•"/>
+              <a:defRPr sz="2000">
+                <a:solidFill>
+                  <a:srgbClr val="000000"/>
+                </a:solidFill>
+              </a:defRPr>
+            </a:pPr>
+            <a:r>
+              <a:rPr lang="fr-FR" sz="2500" dirty="0"/>
+              <a:t>Réponses aux horaires, contacts, produits, etc.</a:t>
+            </a:r>
+          </a:p>
+        </p:txBody>
+      </p:sp>
     </p:spTree>
+    <p:extLst>
+      <p:ext uri="{BB962C8B-B14F-4D97-AF65-F5344CB8AC3E}">
+        <p14:creationId xmlns:p14="http://schemas.microsoft.com/office/powerpoint/2010/main" val="2516789320"/>
+      </p:ext>
+    </p:extLst>
   </p:cSld>
   <p:clrMapOvr>
     <a:masterClrMapping/>
@@ -4343,95 +5523,9 @@
           <a:chExt cx="0" cy="0"/>
         </a:xfrm>
       </p:grpSpPr>
-      <p:sp>
-        <p:nvSpPr>
-          <p:cNvPr id="2" name="Title 1"/>
-          <p:cNvSpPr>
-            <a:spLocks noGrp="1"/>
-          </p:cNvSpPr>
-          <p:nvPr>
-            <p:ph type="title"/>
-          </p:nvPr>
-        </p:nvSpPr>
-        <p:spPr/>
-        <p:txBody>
-          <a:bodyPr/>
-          <a:lstStyle/>
-          <a:p>
-            <a:pPr>
-              <a:defRPr sz="3200" b="1">
-                <a:solidFill>
-                  <a:srgbClr val="000000"/>
-                </a:solidFill>
-              </a:defRPr>
-            </a:pPr>
-            <a:r>
-              <a:t>Avantages &amp; Limites</a:t>
-            </a:r>
-          </a:p>
-        </p:txBody>
-      </p:sp>
-      <p:sp>
-        <p:nvSpPr>
-          <p:cNvPr id="3" name="Content Placeholder 2"/>
-          <p:cNvSpPr>
-            <a:spLocks noGrp="1"/>
-          </p:cNvSpPr>
-          <p:nvPr>
-            <p:ph idx="1"/>
-          </p:nvPr>
-        </p:nvSpPr>
-        <p:spPr/>
-        <p:txBody>
-          <a:bodyPr/>
-          <a:lstStyle/>
-          <a:p>
-            <a:pPr>
-              <a:defRPr sz="2000">
-                <a:solidFill>
-                  <a:srgbClr val="000000"/>
-                </a:solidFill>
-              </a:defRPr>
-            </a:pPr>
-            <a:r>
-              <a:t>✅ Rapide à déployer, NLP Google</a:t>
-            </a:r>
-          </a:p>
-          <a:p>
-            <a:pPr>
-              <a:defRPr sz="2000">
-                <a:solidFill>
-                  <a:srgbClr val="000000"/>
-                </a:solidFill>
-              </a:defRPr>
-            </a:pPr>
-            <a:r>
-              <a:t>❌ Vendor lock-in, peu de contrôle</a:t>
-            </a:r>
-          </a:p>
-          <a:p>
-            <a:pPr>
-              <a:defRPr sz="2000">
-                <a:solidFill>
-                  <a:srgbClr val="000000"/>
-                </a:solidFill>
-              </a:defRPr>
-            </a:pPr>
-            <a:r>
-              <a:t>❌ Pas open source comme Rasa</a:t>
-            </a:r>
-          </a:p>
-        </p:txBody>
-      </p:sp>
       <p:pic>
         <p:nvPicPr>
-          <p:cNvPr id="7" name="Picture 3" descr="logo_nuage.png">
-            <a:extLst>
-              <a:ext uri="{FF2B5EF4-FFF2-40B4-BE49-F238E27FC236}">
-                <a16:creationId xmlns:a16="http://schemas.microsoft.com/office/drawing/2014/main" id="{A8E49153-72EB-6B2D-E6EC-0E33918ECB1B}"/>
-              </a:ext>
-            </a:extLst>
-          </p:cNvPr>
+          <p:cNvPr id="4" name="Picture 3" descr="logo_nuage.png"/>
           <p:cNvPicPr>
             <a:picLocks noChangeAspect="1"/>
           </p:cNvPicPr>
@@ -4456,7 +5550,150 @@
           </a:effectLst>
         </p:spPr>
       </p:pic>
+      <p:sp>
+        <p:nvSpPr>
+          <p:cNvPr id="2" name="Title 1"/>
+          <p:cNvSpPr>
+            <a:spLocks noGrp="1"/>
+          </p:cNvSpPr>
+          <p:nvPr>
+            <p:ph type="title"/>
+          </p:nvPr>
+        </p:nvSpPr>
+        <p:spPr>
+          <a:xfrm>
+            <a:off x="457200" y="525780"/>
+            <a:ext cx="8229600" cy="1143000"/>
+          </a:xfrm>
+        </p:spPr>
+        <p:txBody>
+          <a:bodyPr>
+            <a:normAutofit/>
+          </a:bodyPr>
+          <a:lstStyle/>
+          <a:p>
+            <a:pPr>
+              <a:defRPr sz="3200" b="1">
+                <a:solidFill>
+                  <a:srgbClr val="000000"/>
+                </a:solidFill>
+              </a:defRPr>
+            </a:pPr>
+            <a:r>
+              <a:rPr lang="fr-FR" sz="3500" dirty="0"/>
+              <a:t>Démo - </a:t>
+            </a:r>
+            <a:r>
+              <a:rPr lang="fr-FR" sz="3500" dirty="0" err="1"/>
+              <a:t>Chatbot</a:t>
+            </a:r>
+            <a:r>
+              <a:rPr lang="fr-FR" sz="3500" dirty="0"/>
+              <a:t> FAQ pour une PME</a:t>
+            </a:r>
+            <a:endParaRPr lang="fr-CH" sz="3500" dirty="0"/>
+          </a:p>
+        </p:txBody>
+      </p:sp>
+      <p:sp>
+        <p:nvSpPr>
+          <p:cNvPr id="3" name="Content Placeholder 2"/>
+          <p:cNvSpPr>
+            <a:spLocks noGrp="1"/>
+          </p:cNvSpPr>
+          <p:nvPr>
+            <p:ph idx="1"/>
+          </p:nvPr>
+        </p:nvSpPr>
+        <p:spPr>
+          <a:xfrm>
+            <a:off x="457200" y="2260047"/>
+            <a:ext cx="8229600" cy="2858026"/>
+          </a:xfrm>
+        </p:spPr>
+        <p:txBody>
+          <a:bodyPr>
+            <a:normAutofit/>
+          </a:bodyPr>
+          <a:lstStyle/>
+          <a:p>
+            <a:pPr>
+              <a:lnSpc>
+                <a:spcPct val="150000"/>
+              </a:lnSpc>
+              <a:buFont typeface="Arial" panose="020B0604020202020204" pitchFamily="34" charset="0"/>
+              <a:buChar char="•"/>
+              <a:defRPr sz="2000">
+                <a:solidFill>
+                  <a:srgbClr val="000000"/>
+                </a:solidFill>
+              </a:defRPr>
+            </a:pPr>
+            <a:r>
+              <a:rPr lang="fr-FR" sz="2500" dirty="0"/>
+              <a:t>3 </a:t>
+            </a:r>
+            <a:r>
+              <a:rPr lang="fr-FR" sz="2500" dirty="0" err="1"/>
+              <a:t>intents</a:t>
+            </a:r>
+            <a:r>
+              <a:rPr lang="fr-FR" sz="2500" dirty="0"/>
+              <a:t> : horaires d’ouverture, disponibilité produit, contact, etc.</a:t>
+            </a:r>
+          </a:p>
+          <a:p>
+            <a:pPr>
+              <a:lnSpc>
+                <a:spcPct val="150000"/>
+              </a:lnSpc>
+              <a:buFont typeface="Arial" panose="020B0604020202020204" pitchFamily="34" charset="0"/>
+              <a:buChar char="•"/>
+              <a:defRPr sz="2000">
+                <a:solidFill>
+                  <a:srgbClr val="000000"/>
+                </a:solidFill>
+              </a:defRPr>
+            </a:pPr>
+            <a:r>
+              <a:rPr lang="fr-FR" sz="2500" dirty="0"/>
+              <a:t>Réponses personnalisées simples</a:t>
+            </a:r>
+          </a:p>
+          <a:p>
+            <a:pPr>
+              <a:lnSpc>
+                <a:spcPct val="150000"/>
+              </a:lnSpc>
+              <a:buFont typeface="Arial" panose="020B0604020202020204" pitchFamily="34" charset="0"/>
+              <a:buChar char="•"/>
+              <a:defRPr sz="2000">
+                <a:solidFill>
+                  <a:srgbClr val="000000"/>
+                </a:solidFill>
+              </a:defRPr>
+            </a:pPr>
+            <a:r>
+              <a:rPr lang="fr-FR" sz="2500" dirty="0"/>
+              <a:t>Intégration en </a:t>
+            </a:r>
+            <a:r>
+              <a:rPr lang="fr-FR" sz="2500" dirty="0" err="1"/>
+              <a:t>iframe</a:t>
+            </a:r>
+            <a:r>
+              <a:rPr lang="fr-FR" sz="2500" dirty="0"/>
+              <a:t> dans un site vitrine</a:t>
+            </a:r>
+          </a:p>
+        </p:txBody>
+      </p:sp>
     </p:spTree>
+    <p:extLst>
+      <p:ext uri="{BB962C8B-B14F-4D97-AF65-F5344CB8AC3E}">
+        <p14:creationId xmlns:p14="http://schemas.microsoft.com/office/powerpoint/2010/main" val="4269605079"/>
+      </p:ext>
+    </p:extLst>
   </p:cSld>
   <p:clrMapOvr>
     <a:masterClrMapping/>
@@ -4489,83 +5726,9 @@
           <a:chExt cx="0" cy="0"/>
         </a:xfrm>
       </p:grpSpPr>
-      <p:sp>
-        <p:nvSpPr>
-          <p:cNvPr id="2" name="Title 1"/>
-          <p:cNvSpPr>
-            <a:spLocks noGrp="1"/>
-          </p:cNvSpPr>
-          <p:nvPr>
-            <p:ph type="title"/>
-          </p:nvPr>
-        </p:nvSpPr>
-        <p:spPr/>
-        <p:txBody>
-          <a:bodyPr/>
-          <a:lstStyle/>
-          <a:p>
-            <a:pPr>
-              <a:defRPr sz="3200" b="1">
-                <a:solidFill>
-                  <a:srgbClr val="000000"/>
-                </a:solidFill>
-              </a:defRPr>
-            </a:pPr>
-            <a:r>
-              <a:t>Quand utiliser / éviter</a:t>
-            </a:r>
-          </a:p>
-        </p:txBody>
-      </p:sp>
-      <p:sp>
-        <p:nvSpPr>
-          <p:cNvPr id="3" name="Content Placeholder 2"/>
-          <p:cNvSpPr>
-            <a:spLocks noGrp="1"/>
-          </p:cNvSpPr>
-          <p:nvPr>
-            <p:ph idx="1"/>
-          </p:nvPr>
-        </p:nvSpPr>
-        <p:spPr/>
-        <p:txBody>
-          <a:bodyPr/>
-          <a:lstStyle/>
-          <a:p>
-            <a:pPr>
-              <a:defRPr sz="2000">
-                <a:solidFill>
-                  <a:srgbClr val="000000"/>
-                </a:solidFill>
-              </a:defRPr>
-            </a:pPr>
-            <a:r>
-              <a:t>👍 Utiliser pour support client, FAQ, projets simples</a:t>
-            </a:r>
-          </a:p>
-          <a:p>
-            <a:pPr>
-              <a:defRPr sz="2000">
-                <a:solidFill>
-                  <a:srgbClr val="000000"/>
-                </a:solidFill>
-              </a:defRPr>
-            </a:pPr>
-            <a:r>
-              <a:t>👎 Éviter si besoin de contrôle local ou dialogue complexe</a:t>
-            </a:r>
-          </a:p>
-        </p:txBody>
-      </p:sp>
       <p:pic>
         <p:nvPicPr>
-          <p:cNvPr id="7" name="Picture 3" descr="logo_nuage.png">
-            <a:extLst>
-              <a:ext uri="{FF2B5EF4-FFF2-40B4-BE49-F238E27FC236}">
-                <a16:creationId xmlns:a16="http://schemas.microsoft.com/office/drawing/2014/main" id="{17960509-0817-4F76-9492-44710DCD17B1}"/>
-              </a:ext>
-            </a:extLst>
-          </p:cNvPr>
+          <p:cNvPr id="4" name="Picture 3" descr="logo_nuage.png"/>
           <p:cNvPicPr>
             <a:picLocks noChangeAspect="1"/>
           </p:cNvPicPr>
@@ -4590,7 +5753,167 @@
           </a:effectLst>
         </p:spPr>
       </p:pic>
+      <p:sp>
+        <p:nvSpPr>
+          <p:cNvPr id="2" name="Title 1"/>
+          <p:cNvSpPr>
+            <a:spLocks noGrp="1"/>
+          </p:cNvSpPr>
+          <p:nvPr>
+            <p:ph type="title"/>
+          </p:nvPr>
+        </p:nvSpPr>
+        <p:spPr>
+          <a:xfrm>
+            <a:off x="457200" y="525780"/>
+            <a:ext cx="8229600" cy="1143000"/>
+          </a:xfrm>
+        </p:spPr>
+        <p:txBody>
+          <a:bodyPr>
+            <a:normAutofit/>
+          </a:bodyPr>
+          <a:lstStyle/>
+          <a:p>
+            <a:pPr>
+              <a:defRPr sz="3200" b="1">
+                <a:solidFill>
+                  <a:srgbClr val="000000"/>
+                </a:solidFill>
+              </a:defRPr>
+            </a:pPr>
+            <a:r>
+              <a:rPr lang="fr-FR" sz="3500" dirty="0"/>
+              <a:t>Coûts estimés</a:t>
+            </a:r>
+            <a:endParaRPr lang="fr-CH" sz="3500" dirty="0"/>
+          </a:p>
+        </p:txBody>
+      </p:sp>
+      <p:sp>
+        <p:nvSpPr>
+          <p:cNvPr id="3" name="Content Placeholder 2"/>
+          <p:cNvSpPr>
+            <a:spLocks noGrp="1"/>
+          </p:cNvSpPr>
+          <p:nvPr>
+            <p:ph idx="1"/>
+          </p:nvPr>
+        </p:nvSpPr>
+        <p:spPr>
+          <a:xfrm>
+            <a:off x="457200" y="1974033"/>
+            <a:ext cx="8229600" cy="4233819"/>
+          </a:xfrm>
+        </p:spPr>
+        <p:txBody>
+          <a:bodyPr>
+            <a:normAutofit/>
+          </a:bodyPr>
+          <a:lstStyle/>
+          <a:p>
+            <a:pPr>
+              <a:lnSpc>
+                <a:spcPct val="150000"/>
+              </a:lnSpc>
+              <a:buFont typeface="Arial" panose="020B0604020202020204" pitchFamily="34" charset="0"/>
+              <a:buChar char="•"/>
+              <a:defRPr sz="2000">
+                <a:solidFill>
+                  <a:srgbClr val="000000"/>
+                </a:solidFill>
+              </a:defRPr>
+            </a:pPr>
+            <a:r>
+              <a:rPr lang="fr-FR" sz="2500" dirty="0"/>
+              <a:t>Jusqu’à 1 000 requêtes / jour : gratuit</a:t>
+            </a:r>
+          </a:p>
+          <a:p>
+            <a:pPr>
+              <a:lnSpc>
+                <a:spcPct val="150000"/>
+              </a:lnSpc>
+              <a:buFont typeface="Arial" panose="020B0604020202020204" pitchFamily="34" charset="0"/>
+              <a:buChar char="•"/>
+              <a:defRPr sz="2000">
+                <a:solidFill>
+                  <a:srgbClr val="000000"/>
+                </a:solidFill>
+              </a:defRPr>
+            </a:pPr>
+            <a:r>
+              <a:rPr lang="fr-FR" sz="2500" dirty="0"/>
+              <a:t>Au-delà : ~0.002 $ / requête (exemple : 60 000 requêtes / mois = ~60 $)</a:t>
+            </a:r>
+          </a:p>
+          <a:p>
+            <a:pPr>
+              <a:lnSpc>
+                <a:spcPct val="150000"/>
+              </a:lnSpc>
+              <a:buFont typeface="Arial" panose="020B0604020202020204" pitchFamily="34" charset="0"/>
+              <a:buChar char="•"/>
+              <a:defRPr sz="2000">
+                <a:solidFill>
+                  <a:srgbClr val="000000"/>
+                </a:solidFill>
+              </a:defRPr>
+            </a:pPr>
+            <a:r>
+              <a:rPr lang="fr-FR" sz="2500" dirty="0"/>
+              <a:t>Hébergement </a:t>
+            </a:r>
+            <a:r>
+              <a:rPr lang="fr-FR" sz="2500" dirty="0" err="1"/>
+              <a:t>Firebase</a:t>
+            </a:r>
+            <a:r>
+              <a:rPr lang="fr-FR" sz="2500" dirty="0"/>
+              <a:t>/Web : ~5 CHF / mois💰</a:t>
+            </a:r>
+          </a:p>
+          <a:p>
+            <a:pPr>
+              <a:lnSpc>
+                <a:spcPct val="150000"/>
+              </a:lnSpc>
+              <a:buFont typeface="Arial" panose="020B0604020202020204" pitchFamily="34" charset="0"/>
+              <a:buChar char="•"/>
+              <a:defRPr sz="2000">
+                <a:solidFill>
+                  <a:srgbClr val="000000"/>
+                </a:solidFill>
+              </a:defRPr>
+            </a:pPr>
+            <a:endParaRPr lang="fr-FR" sz="2500" dirty="0"/>
+          </a:p>
+          <a:p>
+            <a:pPr>
+              <a:lnSpc>
+                <a:spcPct val="150000"/>
+              </a:lnSpc>
+              <a:buFont typeface="Arial" panose="020B0604020202020204" pitchFamily="34" charset="0"/>
+              <a:buChar char="•"/>
+              <a:defRPr sz="2000">
+                <a:solidFill>
+                  <a:srgbClr val="000000"/>
+                </a:solidFill>
+              </a:defRPr>
+            </a:pPr>
+            <a:r>
+              <a:rPr lang="fr-FR" sz="2500" dirty="0"/>
+              <a:t>Coût total PME basique ≈ 60–65 CHF / mois</a:t>
+            </a:r>
+          </a:p>
+        </p:txBody>
+      </p:sp>
     </p:spTree>
+    <p:extLst>
+      <p:ext uri="{BB962C8B-B14F-4D97-AF65-F5344CB8AC3E}">
+        <p14:creationId xmlns:p14="http://schemas.microsoft.com/office/powerpoint/2010/main" val="1554184044"/>
+      </p:ext>
+    </p:extLst>
   </p:cSld>
   <p:clrMapOvr>
     <a:masterClrMapping/>

--- a/Dialogflow_Presentation.pptx
+++ b/Dialogflow_Presentation.pptx
@@ -5639,8 +5639,13 @@
             </a:r>
             <a:r>
               <a:rPr lang="fr-FR" sz="2500" dirty="0"/>
-              <a:t> : horaires d’ouverture, disponibilité produit, contact, etc.</a:t>
-            </a:r>
+              <a:t> : horaires d’ouverture, disponibilité produit</a:t>
+            </a:r>
+            <a:r>
+              <a:rPr lang="fr-FR" sz="2500"/>
+              <a:t>, contact</a:t>
+            </a:r>
+            <a:endParaRPr lang="fr-FR" sz="2500" dirty="0"/>
           </a:p>
           <a:p>
             <a:pPr>

--- a/Dialogflow_Presentation.pptx
+++ b/Dialogflow_Presentation.pptx
@@ -316,7 +316,7 @@
               <a:rPr lang="en-US" smtClean="0"/>
               <a:t>6/9/2025</a:t>
             </a:fld>
-            <a:endParaRPr lang="en-US"/>
+            <a:endParaRPr lang="en-US" dirty="0"/>
           </a:p>
         </p:txBody>
       </p:sp>
@@ -335,7 +335,7 @@
           <a:bodyPr/>
           <a:lstStyle/>
           <a:p>
-            <a:endParaRPr lang="en-US"/>
+            <a:endParaRPr lang="en-US" dirty="0"/>
           </a:p>
         </p:txBody>
       </p:sp>
@@ -358,7 +358,7 @@
               <a:rPr lang="en-US" smtClean="0"/>
               <a:t>‹N°›</a:t>
             </a:fld>
-            <a:endParaRPr lang="en-US"/>
+            <a:endParaRPr lang="en-US" dirty="0"/>
           </a:p>
         </p:txBody>
       </p:sp>
@@ -484,7 +484,7 @@
               <a:rPr lang="en-US" smtClean="0"/>
               <a:t>6/9/2025</a:t>
             </a:fld>
-            <a:endParaRPr lang="en-US"/>
+            <a:endParaRPr lang="en-US" dirty="0"/>
           </a:p>
         </p:txBody>
       </p:sp>
@@ -503,7 +503,7 @@
           <a:bodyPr/>
           <a:lstStyle/>
           <a:p>
-            <a:endParaRPr lang="en-US"/>
+            <a:endParaRPr lang="en-US" dirty="0"/>
           </a:p>
         </p:txBody>
       </p:sp>
@@ -526,7 +526,7 @@
               <a:rPr lang="en-US" smtClean="0"/>
               <a:t>‹N°›</a:t>
             </a:fld>
-            <a:endParaRPr lang="en-US"/>
+            <a:endParaRPr lang="en-US" dirty="0"/>
           </a:p>
         </p:txBody>
       </p:sp>
@@ -662,7 +662,7 @@
               <a:rPr lang="en-US" smtClean="0"/>
               <a:t>6/9/2025</a:t>
             </a:fld>
-            <a:endParaRPr lang="en-US"/>
+            <a:endParaRPr lang="en-US" dirty="0"/>
           </a:p>
         </p:txBody>
       </p:sp>
@@ -681,7 +681,7 @@
           <a:bodyPr/>
           <a:lstStyle/>
           <a:p>
-            <a:endParaRPr lang="en-US"/>
+            <a:endParaRPr lang="en-US" dirty="0"/>
           </a:p>
         </p:txBody>
       </p:sp>
@@ -704,7 +704,7 @@
               <a:rPr lang="en-US" smtClean="0"/>
               <a:t>‹N°›</a:t>
             </a:fld>
-            <a:endParaRPr lang="en-US"/>
+            <a:endParaRPr lang="en-US" dirty="0"/>
           </a:p>
         </p:txBody>
       </p:sp>
@@ -830,7 +830,7 @@
               <a:rPr lang="en-US" smtClean="0"/>
               <a:t>6/9/2025</a:t>
             </a:fld>
-            <a:endParaRPr lang="en-US"/>
+            <a:endParaRPr lang="en-US" dirty="0"/>
           </a:p>
         </p:txBody>
       </p:sp>
@@ -849,7 +849,7 @@
           <a:bodyPr/>
           <a:lstStyle/>
           <a:p>
-            <a:endParaRPr lang="en-US"/>
+            <a:endParaRPr lang="en-US" dirty="0"/>
           </a:p>
         </p:txBody>
       </p:sp>
@@ -872,7 +872,7 @@
               <a:rPr lang="en-US" smtClean="0"/>
               <a:t>‹N°›</a:t>
             </a:fld>
-            <a:endParaRPr lang="en-US"/>
+            <a:endParaRPr lang="en-US" dirty="0"/>
           </a:p>
         </p:txBody>
       </p:sp>
@@ -1075,7 +1075,7 @@
               <a:rPr lang="en-US" smtClean="0"/>
               <a:t>6/9/2025</a:t>
             </a:fld>
-            <a:endParaRPr lang="en-US"/>
+            <a:endParaRPr lang="en-US" dirty="0"/>
           </a:p>
         </p:txBody>
       </p:sp>
@@ -1094,7 +1094,7 @@
           <a:bodyPr/>
           <a:lstStyle/>
           <a:p>
-            <a:endParaRPr lang="en-US"/>
+            <a:endParaRPr lang="en-US" dirty="0"/>
           </a:p>
         </p:txBody>
       </p:sp>
@@ -1117,7 +1117,7 @@
               <a:rPr lang="en-US" smtClean="0"/>
               <a:t>‹N°›</a:t>
             </a:fld>
-            <a:endParaRPr lang="en-US"/>
+            <a:endParaRPr lang="en-US" dirty="0"/>
           </a:p>
         </p:txBody>
       </p:sp>
@@ -1360,7 +1360,7 @@
               <a:rPr lang="en-US" smtClean="0"/>
               <a:t>6/9/2025</a:t>
             </a:fld>
-            <a:endParaRPr lang="en-US"/>
+            <a:endParaRPr lang="en-US" dirty="0"/>
           </a:p>
         </p:txBody>
       </p:sp>
@@ -1379,7 +1379,7 @@
           <a:bodyPr/>
           <a:lstStyle/>
           <a:p>
-            <a:endParaRPr lang="en-US"/>
+            <a:endParaRPr lang="en-US" dirty="0"/>
           </a:p>
         </p:txBody>
       </p:sp>
@@ -1402,7 +1402,7 @@
               <a:rPr lang="en-US" smtClean="0"/>
               <a:t>‹N°›</a:t>
             </a:fld>
-            <a:endParaRPr lang="en-US"/>
+            <a:endParaRPr lang="en-US" dirty="0"/>
           </a:p>
         </p:txBody>
       </p:sp>
@@ -1779,7 +1779,7 @@
               <a:rPr lang="en-US" smtClean="0"/>
               <a:t>6/9/2025</a:t>
             </a:fld>
-            <a:endParaRPr lang="en-US"/>
+            <a:endParaRPr lang="en-US" dirty="0"/>
           </a:p>
         </p:txBody>
       </p:sp>
@@ -1798,7 +1798,7 @@
           <a:bodyPr/>
           <a:lstStyle/>
           <a:p>
-            <a:endParaRPr lang="en-US"/>
+            <a:endParaRPr lang="en-US" dirty="0"/>
           </a:p>
         </p:txBody>
       </p:sp>
@@ -1821,7 +1821,7 @@
               <a:rPr lang="en-US" smtClean="0"/>
               <a:t>‹N°›</a:t>
             </a:fld>
-            <a:endParaRPr lang="en-US"/>
+            <a:endParaRPr lang="en-US" dirty="0"/>
           </a:p>
         </p:txBody>
       </p:sp>
@@ -1896,7 +1896,7 @@
               <a:rPr lang="en-US" smtClean="0"/>
               <a:t>6/9/2025</a:t>
             </a:fld>
-            <a:endParaRPr lang="en-US"/>
+            <a:endParaRPr lang="en-US" dirty="0"/>
           </a:p>
         </p:txBody>
       </p:sp>
@@ -1915,7 +1915,7 @@
           <a:bodyPr/>
           <a:lstStyle/>
           <a:p>
-            <a:endParaRPr lang="en-US"/>
+            <a:endParaRPr lang="en-US" dirty="0"/>
           </a:p>
         </p:txBody>
       </p:sp>
@@ -1938,7 +1938,7 @@
               <a:rPr lang="en-US" smtClean="0"/>
               <a:t>‹N°›</a:t>
             </a:fld>
-            <a:endParaRPr lang="en-US"/>
+            <a:endParaRPr lang="en-US" dirty="0"/>
           </a:p>
         </p:txBody>
       </p:sp>
@@ -1991,7 +1991,7 @@
               <a:rPr lang="en-US" smtClean="0"/>
               <a:t>6/9/2025</a:t>
             </a:fld>
-            <a:endParaRPr lang="en-US"/>
+            <a:endParaRPr lang="en-US" dirty="0"/>
           </a:p>
         </p:txBody>
       </p:sp>
@@ -2010,7 +2010,7 @@
           <a:bodyPr/>
           <a:lstStyle/>
           <a:p>
-            <a:endParaRPr lang="en-US"/>
+            <a:endParaRPr lang="en-US" dirty="0"/>
           </a:p>
         </p:txBody>
       </p:sp>
@@ -2033,7 +2033,7 @@
               <a:rPr lang="en-US" smtClean="0"/>
               <a:t>‹N°›</a:t>
             </a:fld>
-            <a:endParaRPr lang="en-US"/>
+            <a:endParaRPr lang="en-US" dirty="0"/>
           </a:p>
         </p:txBody>
       </p:sp>
@@ -2266,7 +2266,7 @@
               <a:rPr lang="en-US" smtClean="0"/>
               <a:t>6/9/2025</a:t>
             </a:fld>
-            <a:endParaRPr lang="en-US"/>
+            <a:endParaRPr lang="en-US" dirty="0"/>
           </a:p>
         </p:txBody>
       </p:sp>
@@ -2285,7 +2285,7 @@
           <a:bodyPr/>
           <a:lstStyle/>
           <a:p>
-            <a:endParaRPr lang="en-US"/>
+            <a:endParaRPr lang="en-US" dirty="0"/>
           </a:p>
         </p:txBody>
       </p:sp>
@@ -2308,7 +2308,7 @@
               <a:rPr lang="en-US" smtClean="0"/>
               <a:t>‹N°›</a:t>
             </a:fld>
-            <a:endParaRPr lang="en-US"/>
+            <a:endParaRPr lang="en-US" dirty="0"/>
           </a:p>
         </p:txBody>
       </p:sp>
@@ -2430,7 +2430,7 @@
             </a:lvl9pPr>
           </a:lstStyle>
           <a:p>
-            <a:endParaRPr lang="en-US"/>
+            <a:endParaRPr lang="en-US" dirty="0"/>
           </a:p>
         </p:txBody>
       </p:sp>
@@ -2518,7 +2518,7 @@
               <a:rPr lang="en-US" smtClean="0"/>
               <a:t>6/9/2025</a:t>
             </a:fld>
-            <a:endParaRPr lang="en-US"/>
+            <a:endParaRPr lang="en-US" dirty="0"/>
           </a:p>
         </p:txBody>
       </p:sp>
@@ -2537,7 +2537,7 @@
           <a:bodyPr/>
           <a:lstStyle/>
           <a:p>
-            <a:endParaRPr lang="en-US"/>
+            <a:endParaRPr lang="en-US" dirty="0"/>
           </a:p>
         </p:txBody>
       </p:sp>
@@ -2560,7 +2560,7 @@
               <a:rPr lang="en-US" smtClean="0"/>
               <a:t>‹N°›</a:t>
             </a:fld>
-            <a:endParaRPr lang="en-US"/>
+            <a:endParaRPr lang="en-US" dirty="0"/>
           </a:p>
         </p:txBody>
       </p:sp>
@@ -2729,7 +2729,7 @@
               <a:rPr lang="en-US" smtClean="0"/>
               <a:t>6/9/2025</a:t>
             </a:fld>
-            <a:endParaRPr lang="en-US"/>
+            <a:endParaRPr lang="en-US" dirty="0"/>
           </a:p>
         </p:txBody>
       </p:sp>
@@ -2766,7 +2766,7 @@
             </a:lvl1pPr>
           </a:lstStyle>
           <a:p>
-            <a:endParaRPr lang="en-US"/>
+            <a:endParaRPr lang="en-US" dirty="0"/>
           </a:p>
         </p:txBody>
       </p:sp>
@@ -2807,7 +2807,7 @@
               <a:rPr lang="en-US" smtClean="0"/>
               <a:t>‹N°›</a:t>
             </a:fld>
-            <a:endParaRPr lang="en-US"/>
+            <a:endParaRPr lang="en-US" dirty="0"/>
           </a:p>
         </p:txBody>
       </p:sp>
@@ -3131,7 +3131,7 @@
           <a:lstStyle/>
           <a:p>
             <a:r>
-              <a:rPr dirty="0" err="1"/>
+              <a:rPr lang="fr-CH" dirty="0"/>
               <a:t>Utilisation</a:t>
             </a:r>
             <a:r>
@@ -3412,15 +3412,7 @@
             </a:br>
             <a:r>
               <a:rPr lang="fr-FR" sz="2400" dirty="0"/>
-              <a:t>❌ </a:t>
-            </a:r>
-            <a:r>
-              <a:rPr lang="fr-FR" sz="2400" dirty="0" err="1"/>
-              <a:t>Vendor</a:t>
-            </a:r>
-            <a:r>
-              <a:rPr lang="fr-FR" sz="2400" dirty="0"/>
-              <a:t> lock-in (Google Cloud)</a:t>
+              <a:t>❌ Vendor lock-in (Google Cloud)</a:t>
             </a:r>
             <a:br>
               <a:rPr lang="fr-FR" sz="2400" dirty="0"/>
@@ -3788,15 +3780,7 @@
             </a:pPr>
             <a:r>
               <a:rPr lang="fr-FR" sz="2500" dirty="0"/>
-              <a:t>Tutoriels : Google </a:t>
-            </a:r>
-            <a:r>
-              <a:rPr lang="fr-FR" sz="2500" dirty="0" err="1"/>
-              <a:t>Codelabs</a:t>
-            </a:r>
-            <a:r>
-              <a:rPr lang="fr-FR" sz="2500" dirty="0"/>
-              <a:t>, YouTube, etc.</a:t>
+              <a:t>Tutoriels : Google Codelabs, YouTube, etc.</a:t>
             </a:r>
           </a:p>
           <a:p>
@@ -3814,15 +3798,7 @@
             </a:pPr>
             <a:r>
               <a:rPr lang="fr-FR" sz="2500" dirty="0"/>
-              <a:t>Intégrations : </a:t>
-            </a:r>
-            <a:r>
-              <a:rPr lang="fr-FR" sz="2500" dirty="0" err="1"/>
-              <a:t>Firebase</a:t>
-            </a:r>
-            <a:r>
-              <a:rPr lang="fr-FR" sz="2500" dirty="0"/>
-              <a:t>, Messenger, Slack, WhatsApp, etc.</a:t>
+              <a:t>Intégrations : Firebase, Messenger, Slack, WhatsApp, etc.</a:t>
             </a:r>
           </a:p>
         </p:txBody>
@@ -4095,15 +4071,7 @@
             </a:pPr>
             <a:r>
               <a:rPr lang="fr-CH" sz="2500" dirty="0"/>
-              <a:t>Qu’est-ce que </a:t>
-            </a:r>
-            <a:r>
-              <a:rPr lang="fr-CH" sz="2500" dirty="0" err="1"/>
-              <a:t>Dialogflow</a:t>
-            </a:r>
-            <a:r>
-              <a:rPr lang="fr-CH" sz="2500" dirty="0"/>
-              <a:t> ES ?</a:t>
+              <a:t>Qu’est-ce que Dialogflow ES ?</a:t>
             </a:r>
           </a:p>
           <a:p>
@@ -4135,15 +4103,7 @@
             </a:pPr>
             <a:r>
               <a:rPr lang="fr-CH" sz="2500" dirty="0"/>
-              <a:t>Démonstration d’un </a:t>
-            </a:r>
-            <a:r>
-              <a:rPr lang="fr-CH" sz="2500" dirty="0" err="1"/>
-              <a:t>chatbot</a:t>
-            </a:r>
-            <a:r>
-              <a:rPr lang="fr-CH" sz="2500" dirty="0"/>
-              <a:t> créé pour l’occasion</a:t>
+              <a:t>Démonstration d’un chatbot créé pour l’occasion</a:t>
             </a:r>
           </a:p>
           <a:p>
@@ -4255,15 +4215,7 @@
             </a:pPr>
             <a:r>
               <a:rPr lang="fr-CH" sz="3500" dirty="0"/>
-              <a:t>Qu’est-ce que </a:t>
-            </a:r>
-            <a:r>
-              <a:rPr lang="fr-CH" sz="3500" dirty="0" err="1"/>
-              <a:t>Dialogflow</a:t>
-            </a:r>
-            <a:r>
-              <a:rPr lang="fr-CH" sz="3500" dirty="0"/>
-              <a:t> ES ?</a:t>
+              <a:t>Qu’est-ce que Dialogflow ES ?</a:t>
             </a:r>
             <a:endParaRPr sz="3500" dirty="0"/>
           </a:p>
@@ -4502,20 +4454,8 @@
               </a:defRPr>
             </a:pPr>
             <a:r>
-              <a:rPr lang="fr-FR" sz="2500" dirty="0" err="1"/>
-              <a:t>Dialogflow</a:t>
-            </a:r>
-            <a:r>
               <a:rPr lang="fr-FR" sz="2500" dirty="0"/>
-              <a:t> détecte l’intention (</a:t>
-            </a:r>
-            <a:r>
-              <a:rPr lang="fr-FR" sz="2500" dirty="0" err="1"/>
-              <a:t>intent</a:t>
-            </a:r>
-            <a:r>
-              <a:rPr lang="fr-FR" sz="2500" dirty="0"/>
-              <a:t>)</a:t>
+              <a:t>Dialogflow détecte l’intention (intent)</a:t>
             </a:r>
           </a:p>
           <a:p>
@@ -4533,13 +4473,8 @@
             </a:pPr>
             <a:r>
               <a:rPr lang="fr-FR" sz="2500" dirty="0"/>
-              <a:t>Une réponse est renvoyée automatiquement ou via un </a:t>
-            </a:r>
-            <a:r>
-              <a:rPr lang="fr-FR" sz="2500" dirty="0" err="1"/>
-              <a:t>webhook</a:t>
-            </a:r>
-            <a:endParaRPr lang="fr-FR" sz="2500" dirty="0"/>
+              <a:t>Une réponse est renvoyée automatiquement ou via un webhook</a:t>
+            </a:r>
           </a:p>
           <a:p>
             <a:pPr marL="457200" indent="-457200">
@@ -4684,23 +4619,7 @@
             </a:pPr>
             <a:r>
               <a:rPr lang="fr-FR" sz="3500" dirty="0"/>
-              <a:t>Comment créer un </a:t>
-            </a:r>
-            <a:r>
-              <a:rPr lang="fr-FR" sz="3500" dirty="0" err="1"/>
-              <a:t>chatbot</a:t>
-            </a:r>
-            <a:r>
-              <a:rPr lang="fr-FR" sz="3500" dirty="0"/>
-              <a:t> avec </a:t>
-            </a:r>
-            <a:r>
-              <a:rPr lang="fr-FR" sz="3500" dirty="0" err="1"/>
-              <a:t>Dialogflow</a:t>
-            </a:r>
-            <a:r>
-              <a:rPr lang="fr-FR" sz="3500" dirty="0"/>
-              <a:t> ?</a:t>
+              <a:t>Comment créer un chatbot avec Dialogflow ?</a:t>
             </a:r>
             <a:endParaRPr lang="fr-CH" sz="3500" dirty="0"/>
           </a:p>
@@ -4760,15 +4679,7 @@
             </a:pPr>
             <a:r>
               <a:rPr lang="fr-FR" sz="2500" dirty="0"/>
-              <a:t>Ajouter des </a:t>
-            </a:r>
-            <a:r>
-              <a:rPr lang="fr-FR" sz="2500" dirty="0" err="1"/>
-              <a:t>intents</a:t>
-            </a:r>
-            <a:r>
-              <a:rPr lang="fr-FR" sz="2500" dirty="0"/>
-              <a:t> (ex : horaires, contact…)</a:t>
+              <a:t>Ajouter des intents (ex : horaires, contact…)</a:t>
             </a:r>
           </a:p>
           <a:p>
@@ -4804,13 +4715,8 @@
             </a:pPr>
             <a:r>
               <a:rPr lang="fr-FR" sz="2500" dirty="0"/>
-              <a:t>Ajouter une réponse pour chaque </a:t>
-            </a:r>
-            <a:r>
-              <a:rPr lang="fr-FR" sz="2500" dirty="0" err="1"/>
-              <a:t>intent</a:t>
-            </a:r>
-            <a:endParaRPr lang="fr-FR" sz="2500" dirty="0"/>
+              <a:t>Ajouter une réponse pour chaque intent</a:t>
+            </a:r>
           </a:p>
           <a:p>
             <a:pPr marL="457200" indent="-457200">
@@ -4827,15 +4733,7 @@
             </a:pPr>
             <a:r>
               <a:rPr lang="fr-FR" sz="2500" dirty="0"/>
-              <a:t>Tester le </a:t>
-            </a:r>
-            <a:r>
-              <a:rPr lang="fr-FR" sz="2500" dirty="0" err="1"/>
-              <a:t>chatbot</a:t>
-            </a:r>
-            <a:r>
-              <a:rPr lang="fr-FR" sz="2500" dirty="0"/>
-              <a:t> dans la console</a:t>
+              <a:t>Tester le chatbot dans la console</a:t>
             </a:r>
           </a:p>
           <a:p>
@@ -5256,15 +5154,7 @@
             </a:br>
             <a:r>
               <a:rPr lang="fr-FR" sz="2500" dirty="0"/>
-              <a:t>Nous explorons les </a:t>
-            </a:r>
-            <a:r>
-              <a:rPr lang="fr-FR" sz="2500" dirty="0" err="1"/>
-              <a:t>chatbots</a:t>
-            </a:r>
-            <a:r>
-              <a:rPr lang="fr-FR" sz="2500" dirty="0"/>
-              <a:t> cloud pour :</a:t>
+              <a:t>Nous explorons les chatbots cloud pour :</a:t>
             </a:r>
             <a:endParaRPr lang="fr-CH" sz="2500" dirty="0"/>
           </a:p>
@@ -5581,15 +5471,7 @@
             </a:pPr>
             <a:r>
               <a:rPr lang="fr-FR" sz="3500" dirty="0"/>
-              <a:t>Démo - </a:t>
-            </a:r>
-            <a:r>
-              <a:rPr lang="fr-FR" sz="3500" dirty="0" err="1"/>
-              <a:t>Chatbot</a:t>
-            </a:r>
-            <a:r>
-              <a:rPr lang="fr-FR" sz="3500" dirty="0"/>
-              <a:t> FAQ pour une PME</a:t>
+              <a:t>Démo - Chatbot FAQ pour une PME</a:t>
             </a:r>
             <a:endParaRPr lang="fr-CH" sz="3500" dirty="0"/>
           </a:p>
@@ -5631,21 +5513,8 @@
             </a:pPr>
             <a:r>
               <a:rPr lang="fr-FR" sz="2500" dirty="0"/>
-              <a:t>3 </a:t>
-            </a:r>
-            <a:r>
-              <a:rPr lang="fr-FR" sz="2500" dirty="0" err="1"/>
-              <a:t>intents</a:t>
-            </a:r>
-            <a:r>
-              <a:rPr lang="fr-FR" sz="2500" dirty="0"/>
-              <a:t> : horaires d’ouverture, disponibilité produit</a:t>
-            </a:r>
-            <a:r>
-              <a:rPr lang="fr-FR" sz="2500"/>
-              <a:t>, contact</a:t>
-            </a:r>
-            <a:endParaRPr lang="fr-FR" sz="2500" dirty="0"/>
+              <a:t>3 intents : horaires d’ouverture, disponibilité produit, contact</a:t>
+            </a:r>
           </a:p>
           <a:p>
             <a:pPr>
@@ -5680,15 +5549,7 @@
             </a:pPr>
             <a:r>
               <a:rPr lang="fr-FR" sz="2500" dirty="0"/>
-              <a:t>Intégration en </a:t>
-            </a:r>
-            <a:r>
-              <a:rPr lang="fr-FR" sz="2500" dirty="0" err="1"/>
-              <a:t>iframe</a:t>
-            </a:r>
-            <a:r>
-              <a:rPr lang="fr-FR" sz="2500" dirty="0"/>
-              <a:t> dans un site vitrine</a:t>
+              <a:t>Intégration en iframe dans un site vitrine</a:t>
             </a:r>
           </a:p>
         </p:txBody>
@@ -5867,15 +5728,7 @@
             </a:pPr>
             <a:r>
               <a:rPr lang="fr-FR" sz="2500" dirty="0"/>
-              <a:t>Hébergement </a:t>
-            </a:r>
-            <a:r>
-              <a:rPr lang="fr-FR" sz="2500" dirty="0" err="1"/>
-              <a:t>Firebase</a:t>
-            </a:r>
-            <a:r>
-              <a:rPr lang="fr-FR" sz="2500" dirty="0"/>
-              <a:t>/Web : ~5 CHF / mois💰</a:t>
+              <a:t>Hébergement Firebase/Web : ~5 CHF / mois💰</a:t>
             </a:r>
           </a:p>
           <a:p>

--- a/Dialogflow_Presentation.pptx
+++ b/Dialogflow_Presentation.pptx
@@ -5489,8 +5489,8 @@
         </p:nvSpPr>
         <p:spPr>
           <a:xfrm>
-            <a:off x="457200" y="2260047"/>
-            <a:ext cx="8229600" cy="2858026"/>
+            <a:off x="457200" y="2377886"/>
+            <a:ext cx="8229600" cy="2102228"/>
           </a:xfrm>
         </p:spPr>
         <p:txBody>
@@ -5532,24 +5532,6 @@
             <a:r>
               <a:rPr lang="fr-FR" sz="2500" dirty="0"/>
               <a:t>Réponses personnalisées simples</a:t>
-            </a:r>
-          </a:p>
-          <a:p>
-            <a:pPr>
-              <a:lnSpc>
-                <a:spcPct val="150000"/>
-              </a:lnSpc>
-              <a:buFont typeface="Arial" panose="020B0604020202020204" pitchFamily="34" charset="0"/>
-              <a:buChar char="•"/>
-              <a:defRPr sz="2000">
-                <a:solidFill>
-                  <a:srgbClr val="000000"/>
-                </a:solidFill>
-              </a:defRPr>
-            </a:pPr>
-            <a:r>
-              <a:rPr lang="fr-FR" sz="2500" dirty="0"/>
-              <a:t>Intégration en iframe dans un site vitrine</a:t>
             </a:r>
           </a:p>
         </p:txBody>
